--- a/PPLT_Slides/Slides/Unit16_Extra.pptx
+++ b/PPLT_Slides/Slides/Unit16_Extra.pptx
@@ -5,23 +5,17 @@
     <p:sldMasterId id="2147485087" r:id="rId1"/>
   </p:sldMasterIdLst>
   <p:notesMasterIdLst>
-    <p:notesMasterId r:id="rId13"/>
+    <p:notesMasterId r:id="rId7"/>
   </p:notesMasterIdLst>
   <p:handoutMasterIdLst>
-    <p:handoutMasterId r:id="rId14"/>
+    <p:handoutMasterId r:id="rId8"/>
   </p:handoutMasterIdLst>
   <p:sldIdLst>
-    <p:sldId id="256" r:id="rId2"/>
-    <p:sldId id="510" r:id="rId3"/>
-    <p:sldId id="511" r:id="rId4"/>
-    <p:sldId id="512" r:id="rId5"/>
-    <p:sldId id="513" r:id="rId6"/>
-    <p:sldId id="468" r:id="rId7"/>
-    <p:sldId id="504" r:id="rId8"/>
-    <p:sldId id="508" r:id="rId9"/>
-    <p:sldId id="506" r:id="rId10"/>
-    <p:sldId id="509" r:id="rId11"/>
-    <p:sldId id="308" r:id="rId12"/>
+    <p:sldId id="510" r:id="rId2"/>
+    <p:sldId id="504" r:id="rId3"/>
+    <p:sldId id="508" r:id="rId4"/>
+    <p:sldId id="506" r:id="rId5"/>
+    <p:sldId id="509" r:id="rId6"/>
   </p:sldIdLst>
   <p:sldSz cx="9144000" cy="6858000" type="screen4x3"/>
   <p:notesSz cx="7010400" cy="9296400"/>
@@ -657,7 +651,7 @@
               <a:pPr>
                 <a:defRPr/>
               </a:pPr>
-              <a:t>8/31/2015</a:t>
+              <a:t>11/4/2019</a:t>
             </a:fld>
             <a:endParaRPr lang="en-US"/>
           </a:p>
@@ -887,7 +881,7 @@
       </p:grpSpPr>
       <p:sp>
         <p:nvSpPr>
-          <p:cNvPr id="63490" name="Rectangle 2"/>
+          <p:cNvPr id="64514" name="Rectangle 2"/>
           <p:cNvSpPr>
             <a:spLocks noGrp="1" noChangeArrowheads="1"/>
           </p:cNvSpPr>
@@ -924,7 +918,7 @@
       </p:sp>
       <p:sp>
         <p:nvSpPr>
-          <p:cNvPr id="63491" name="Rectangle 1026"/>
+          <p:cNvPr id="64515" name="Rectangle 2"/>
           <p:cNvSpPr>
             <a:spLocks noGrp="1" noRot="1" noChangeAspect="1" noChangeArrowheads="1" noTextEdit="1"/>
           </p:cNvSpPr>
@@ -950,7 +944,7 @@
       </p:sp>
       <p:sp>
         <p:nvSpPr>
-          <p:cNvPr id="63492" name="Rectangle 1027"/>
+          <p:cNvPr id="64516" name="Rectangle 3"/>
           <p:cNvSpPr>
             <a:spLocks noGrp="1" noChangeArrowheads="1"/>
           </p:cNvSpPr>
@@ -959,22 +953,23 @@
           </p:nvPr>
         </p:nvSpPr>
         <p:spPr>
-          <a:noFill/>
           <a:ln w="9525"/>
         </p:spPr>
         <p:txBody>
           <a:bodyPr/>
           <a:lstStyle/>
           <a:p>
-            <a:pPr eaLnBrk="1" hangingPunct="1"/>
-            <a:endParaRPr lang="en-GB" smtClean="0"/>
+            <a:pPr eaLnBrk="1" hangingPunct="1">
+              <a:defRPr/>
+            </a:pPr>
+            <a:endParaRPr lang="en-US" dirty="0" smtClean="0"/>
           </a:p>
         </p:txBody>
       </p:sp>
     </p:spTree>
     <p:extLst>
       <p:ext uri="{BB962C8B-B14F-4D97-AF65-F5344CB8AC3E}">
-        <p14:creationId xmlns:p14="http://schemas.microsoft.com/office/powerpoint/2010/main" val="1709076294"/>
+        <p14:creationId xmlns:p14="http://schemas.microsoft.com/office/powerpoint/2010/main" val="2047881807"/>
       </p:ext>
     </p:extLst>
   </p:cSld>
@@ -1003,63 +998,95 @@
       </p:grpSpPr>
       <p:sp>
         <p:nvSpPr>
-          <p:cNvPr id="2" name="Slide Image Placeholder 1"/>
-          <p:cNvSpPr>
-            <a:spLocks noGrp="1" noRot="1" noChangeAspect="1"/>
+          <p:cNvPr id="64514" name="Rectangle 2"/>
+          <p:cNvSpPr>
+            <a:spLocks noGrp="1" noChangeArrowheads="1"/>
+          </p:cNvSpPr>
+          <p:nvPr>
+            <p:ph type="hdr" sz="quarter"/>
+          </p:nvPr>
+        </p:nvSpPr>
+        <p:spPr bwMode="auto">
+          <a:xfrm>
+            <a:off x="0" y="0"/>
+            <a:ext cx="3038786" cy="465341"/>
+          </a:xfrm>
+          <a:noFill/>
+          <a:ln>
+            <a:miter lim="800000"/>
+            <a:headEnd/>
+            <a:tailEnd/>
+          </a:ln>
+        </p:spPr>
+        <p:txBody>
+          <a:bodyPr wrap="square" numCol="1" anchor="t" anchorCtr="0" compatLnSpc="1">
+            <a:prstTxWarp prst="textNoShape">
+              <a:avLst/>
+            </a:prstTxWarp>
+          </a:bodyPr>
+          <a:lstStyle/>
+          <a:p>
+            <a:r>
+              <a:rPr lang="en-US" smtClean="0"/>
+              <a:t>CS1010 Programming Methodology</a:t>
+            </a:r>
+          </a:p>
+        </p:txBody>
+      </p:sp>
+      <p:sp>
+        <p:nvSpPr>
+          <p:cNvPr id="64515" name="Rectangle 2"/>
+          <p:cNvSpPr>
+            <a:spLocks noGrp="1" noRot="1" noChangeAspect="1" noChangeArrowheads="1" noTextEdit="1"/>
           </p:cNvSpPr>
           <p:nvPr>
             <p:ph type="sldImg"/>
           </p:nvPr>
         </p:nvSpPr>
-        <p:spPr/>
-      </p:sp>
-      <p:sp>
-        <p:nvSpPr>
-          <p:cNvPr id="3" name="Notes Placeholder 2"/>
-          <p:cNvSpPr>
-            <a:spLocks noGrp="1"/>
+        <p:spPr bwMode="auto">
+          <a:xfrm>
+            <a:off x="1182688" y="696913"/>
+            <a:ext cx="4648200" cy="3486150"/>
+          </a:xfrm>
+          <a:noFill/>
+          <a:ln>
+            <a:solidFill>
+              <a:srgbClr val="000000"/>
+            </a:solidFill>
+            <a:miter lim="800000"/>
+            <a:headEnd/>
+            <a:tailEnd/>
+          </a:ln>
+        </p:spPr>
+      </p:sp>
+      <p:sp>
+        <p:nvSpPr>
+          <p:cNvPr id="64516" name="Rectangle 3"/>
+          <p:cNvSpPr>
+            <a:spLocks noGrp="1" noChangeArrowheads="1"/>
           </p:cNvSpPr>
           <p:nvPr>
             <p:ph type="body" idx="1"/>
           </p:nvPr>
         </p:nvSpPr>
-        <p:spPr/>
+        <p:spPr>
+          <a:ln w="9525"/>
+        </p:spPr>
         <p:txBody>
           <a:bodyPr/>
           <a:lstStyle/>
           <a:p>
-            <a:endParaRPr lang="en-US" dirty="0"/>
-          </a:p>
-        </p:txBody>
-      </p:sp>
-      <p:sp>
-        <p:nvSpPr>
-          <p:cNvPr id="4" name="Slide Number Placeholder 3"/>
-          <p:cNvSpPr>
-            <a:spLocks noGrp="1"/>
-          </p:cNvSpPr>
-          <p:nvPr>
-            <p:ph type="sldNum" sz="quarter" idx="10"/>
-          </p:nvPr>
-        </p:nvSpPr>
-        <p:spPr/>
-        <p:txBody>
-          <a:bodyPr/>
-          <a:lstStyle/>
-          <a:p>
-            <a:fld id="{4064A34B-1A74-4CEE-BBDF-2018B7880538}" type="slidenum">
-              <a:rPr lang="en-US" smtClean="0"/>
-              <a:pPr/>
-              <a:t>4</a:t>
-            </a:fld>
-            <a:endParaRPr lang="en-US"/>
+            <a:pPr eaLnBrk="1" hangingPunct="1">
+              <a:defRPr/>
+            </a:pPr>
+            <a:endParaRPr lang="en-US" dirty="0" smtClean="0"/>
           </a:p>
         </p:txBody>
       </p:sp>
     </p:spTree>
     <p:extLst>
       <p:ext uri="{BB962C8B-B14F-4D97-AF65-F5344CB8AC3E}">
-        <p14:creationId xmlns:p14="http://schemas.microsoft.com/office/powerpoint/2010/main" val="1302292061"/>
+        <p14:creationId xmlns:p14="http://schemas.microsoft.com/office/powerpoint/2010/main" val="1193971485"/>
       </p:ext>
     </p:extLst>
   </p:cSld>
@@ -1176,7 +1203,7 @@
     </p:spTree>
     <p:extLst>
       <p:ext uri="{BB962C8B-B14F-4D97-AF65-F5344CB8AC3E}">
-        <p14:creationId xmlns:p14="http://schemas.microsoft.com/office/powerpoint/2010/main" val="1342325058"/>
+        <p14:creationId xmlns:p14="http://schemas.microsoft.com/office/powerpoint/2010/main" val="2412854169"/>
       </p:ext>
     </p:extLst>
   </p:cSld>
@@ -1293,474 +1320,7 @@
     </p:spTree>
     <p:extLst>
       <p:ext uri="{BB962C8B-B14F-4D97-AF65-F5344CB8AC3E}">
-        <p14:creationId xmlns:p14="http://schemas.microsoft.com/office/powerpoint/2010/main" val="2047881807"/>
-      </p:ext>
-    </p:extLst>
-  </p:cSld>
-  <p:clrMapOvr>
-    <a:masterClrMapping/>
-  </p:clrMapOvr>
-</p:notes>
-</file>
-
-<file path=ppt/notesSlides/notesSlide5.xml><?xml version="1.0" encoding="utf-8"?>
-<p:notes xmlns:a="http://schemas.openxmlformats.org/drawingml/2006/main" xmlns:r="http://schemas.openxmlformats.org/officeDocument/2006/relationships" xmlns:p="http://schemas.openxmlformats.org/presentationml/2006/main">
-  <p:cSld>
-    <p:spTree>
-      <p:nvGrpSpPr>
-        <p:cNvPr id="1" name=""/>
-        <p:cNvGrpSpPr/>
-        <p:nvPr/>
-      </p:nvGrpSpPr>
-      <p:grpSpPr>
-        <a:xfrm>
-          <a:off x="0" y="0"/>
-          <a:ext cx="0" cy="0"/>
-          <a:chOff x="0" y="0"/>
-          <a:chExt cx="0" cy="0"/>
-        </a:xfrm>
-      </p:grpSpPr>
-      <p:sp>
-        <p:nvSpPr>
-          <p:cNvPr id="64514" name="Rectangle 2"/>
-          <p:cNvSpPr>
-            <a:spLocks noGrp="1" noChangeArrowheads="1"/>
-          </p:cNvSpPr>
-          <p:nvPr>
-            <p:ph type="hdr" sz="quarter"/>
-          </p:nvPr>
-        </p:nvSpPr>
-        <p:spPr bwMode="auto">
-          <a:xfrm>
-            <a:off x="0" y="0"/>
-            <a:ext cx="3038786" cy="465341"/>
-          </a:xfrm>
-          <a:noFill/>
-          <a:ln>
-            <a:miter lim="800000"/>
-            <a:headEnd/>
-            <a:tailEnd/>
-          </a:ln>
-        </p:spPr>
-        <p:txBody>
-          <a:bodyPr wrap="square" numCol="1" anchor="t" anchorCtr="0" compatLnSpc="1">
-            <a:prstTxWarp prst="textNoShape">
-              <a:avLst/>
-            </a:prstTxWarp>
-          </a:bodyPr>
-          <a:lstStyle/>
-          <a:p>
-            <a:r>
-              <a:rPr lang="en-US" smtClean="0"/>
-              <a:t>CS1010 Programming Methodology</a:t>
-            </a:r>
-          </a:p>
-        </p:txBody>
-      </p:sp>
-      <p:sp>
-        <p:nvSpPr>
-          <p:cNvPr id="64515" name="Rectangle 2"/>
-          <p:cNvSpPr>
-            <a:spLocks noGrp="1" noRot="1" noChangeAspect="1" noChangeArrowheads="1" noTextEdit="1"/>
-          </p:cNvSpPr>
-          <p:nvPr>
-            <p:ph type="sldImg"/>
-          </p:nvPr>
-        </p:nvSpPr>
-        <p:spPr bwMode="auto">
-          <a:xfrm>
-            <a:off x="1182688" y="696913"/>
-            <a:ext cx="4648200" cy="3486150"/>
-          </a:xfrm>
-          <a:noFill/>
-          <a:ln>
-            <a:solidFill>
-              <a:srgbClr val="000000"/>
-            </a:solidFill>
-            <a:miter lim="800000"/>
-            <a:headEnd/>
-            <a:tailEnd/>
-          </a:ln>
-        </p:spPr>
-      </p:sp>
-      <p:sp>
-        <p:nvSpPr>
-          <p:cNvPr id="64516" name="Rectangle 3"/>
-          <p:cNvSpPr>
-            <a:spLocks noGrp="1" noChangeArrowheads="1"/>
-          </p:cNvSpPr>
-          <p:nvPr>
-            <p:ph type="body" idx="1"/>
-          </p:nvPr>
-        </p:nvSpPr>
-        <p:spPr>
-          <a:ln w="9525"/>
-        </p:spPr>
-        <p:txBody>
-          <a:bodyPr/>
-          <a:lstStyle/>
-          <a:p>
-            <a:pPr eaLnBrk="1" hangingPunct="1">
-              <a:defRPr/>
-            </a:pPr>
-            <a:endParaRPr lang="en-US" dirty="0" smtClean="0"/>
-          </a:p>
-        </p:txBody>
-      </p:sp>
-    </p:spTree>
-    <p:extLst>
-      <p:ext uri="{BB962C8B-B14F-4D97-AF65-F5344CB8AC3E}">
-        <p14:creationId xmlns:p14="http://schemas.microsoft.com/office/powerpoint/2010/main" val="1193971485"/>
-      </p:ext>
-    </p:extLst>
-  </p:cSld>
-  <p:clrMapOvr>
-    <a:masterClrMapping/>
-  </p:clrMapOvr>
-</p:notes>
-</file>
-
-<file path=ppt/notesSlides/notesSlide6.xml><?xml version="1.0" encoding="utf-8"?>
-<p:notes xmlns:a="http://schemas.openxmlformats.org/drawingml/2006/main" xmlns:r="http://schemas.openxmlformats.org/officeDocument/2006/relationships" xmlns:p="http://schemas.openxmlformats.org/presentationml/2006/main">
-  <p:cSld>
-    <p:spTree>
-      <p:nvGrpSpPr>
-        <p:cNvPr id="1" name=""/>
-        <p:cNvGrpSpPr/>
-        <p:nvPr/>
-      </p:nvGrpSpPr>
-      <p:grpSpPr>
-        <a:xfrm>
-          <a:off x="0" y="0"/>
-          <a:ext cx="0" cy="0"/>
-          <a:chOff x="0" y="0"/>
-          <a:chExt cx="0" cy="0"/>
-        </a:xfrm>
-      </p:grpSpPr>
-      <p:sp>
-        <p:nvSpPr>
-          <p:cNvPr id="64514" name="Rectangle 2"/>
-          <p:cNvSpPr>
-            <a:spLocks noGrp="1" noChangeArrowheads="1"/>
-          </p:cNvSpPr>
-          <p:nvPr>
-            <p:ph type="hdr" sz="quarter"/>
-          </p:nvPr>
-        </p:nvSpPr>
-        <p:spPr bwMode="auto">
-          <a:xfrm>
-            <a:off x="0" y="0"/>
-            <a:ext cx="3038786" cy="465341"/>
-          </a:xfrm>
-          <a:noFill/>
-          <a:ln>
-            <a:miter lim="800000"/>
-            <a:headEnd/>
-            <a:tailEnd/>
-          </a:ln>
-        </p:spPr>
-        <p:txBody>
-          <a:bodyPr wrap="square" numCol="1" anchor="t" anchorCtr="0" compatLnSpc="1">
-            <a:prstTxWarp prst="textNoShape">
-              <a:avLst/>
-            </a:prstTxWarp>
-          </a:bodyPr>
-          <a:lstStyle/>
-          <a:p>
-            <a:r>
-              <a:rPr lang="en-US" smtClean="0"/>
-              <a:t>CS1010 Programming Methodology</a:t>
-            </a:r>
-          </a:p>
-        </p:txBody>
-      </p:sp>
-      <p:sp>
-        <p:nvSpPr>
-          <p:cNvPr id="64515" name="Rectangle 2"/>
-          <p:cNvSpPr>
-            <a:spLocks noGrp="1" noRot="1" noChangeAspect="1" noChangeArrowheads="1" noTextEdit="1"/>
-          </p:cNvSpPr>
-          <p:nvPr>
-            <p:ph type="sldImg"/>
-          </p:nvPr>
-        </p:nvSpPr>
-        <p:spPr bwMode="auto">
-          <a:xfrm>
-            <a:off x="1182688" y="696913"/>
-            <a:ext cx="4648200" cy="3486150"/>
-          </a:xfrm>
-          <a:noFill/>
-          <a:ln>
-            <a:solidFill>
-              <a:srgbClr val="000000"/>
-            </a:solidFill>
-            <a:miter lim="800000"/>
-            <a:headEnd/>
-            <a:tailEnd/>
-          </a:ln>
-        </p:spPr>
-      </p:sp>
-      <p:sp>
-        <p:nvSpPr>
-          <p:cNvPr id="64516" name="Rectangle 3"/>
-          <p:cNvSpPr>
-            <a:spLocks noGrp="1" noChangeArrowheads="1"/>
-          </p:cNvSpPr>
-          <p:nvPr>
-            <p:ph type="body" idx="1"/>
-          </p:nvPr>
-        </p:nvSpPr>
-        <p:spPr>
-          <a:ln w="9525"/>
-        </p:spPr>
-        <p:txBody>
-          <a:bodyPr/>
-          <a:lstStyle/>
-          <a:p>
-            <a:pPr eaLnBrk="1" hangingPunct="1">
-              <a:defRPr/>
-            </a:pPr>
-            <a:endParaRPr lang="en-US" dirty="0" smtClean="0"/>
-          </a:p>
-        </p:txBody>
-      </p:sp>
-    </p:spTree>
-    <p:extLst>
-      <p:ext uri="{BB962C8B-B14F-4D97-AF65-F5344CB8AC3E}">
-        <p14:creationId xmlns:p14="http://schemas.microsoft.com/office/powerpoint/2010/main" val="2412854169"/>
-      </p:ext>
-    </p:extLst>
-  </p:cSld>
-  <p:clrMapOvr>
-    <a:masterClrMapping/>
-  </p:clrMapOvr>
-</p:notes>
-</file>
-
-<file path=ppt/notesSlides/notesSlide7.xml><?xml version="1.0" encoding="utf-8"?>
-<p:notes xmlns:a="http://schemas.openxmlformats.org/drawingml/2006/main" xmlns:r="http://schemas.openxmlformats.org/officeDocument/2006/relationships" xmlns:p="http://schemas.openxmlformats.org/presentationml/2006/main">
-  <p:cSld>
-    <p:spTree>
-      <p:nvGrpSpPr>
-        <p:cNvPr id="1" name=""/>
-        <p:cNvGrpSpPr/>
-        <p:nvPr/>
-      </p:nvGrpSpPr>
-      <p:grpSpPr>
-        <a:xfrm>
-          <a:off x="0" y="0"/>
-          <a:ext cx="0" cy="0"/>
-          <a:chOff x="0" y="0"/>
-          <a:chExt cx="0" cy="0"/>
-        </a:xfrm>
-      </p:grpSpPr>
-      <p:sp>
-        <p:nvSpPr>
-          <p:cNvPr id="64514" name="Rectangle 2"/>
-          <p:cNvSpPr>
-            <a:spLocks noGrp="1" noChangeArrowheads="1"/>
-          </p:cNvSpPr>
-          <p:nvPr>
-            <p:ph type="hdr" sz="quarter"/>
-          </p:nvPr>
-        </p:nvSpPr>
-        <p:spPr bwMode="auto">
-          <a:xfrm>
-            <a:off x="0" y="0"/>
-            <a:ext cx="3038786" cy="465341"/>
-          </a:xfrm>
-          <a:noFill/>
-          <a:ln>
-            <a:miter lim="800000"/>
-            <a:headEnd/>
-            <a:tailEnd/>
-          </a:ln>
-        </p:spPr>
-        <p:txBody>
-          <a:bodyPr wrap="square" numCol="1" anchor="t" anchorCtr="0" compatLnSpc="1">
-            <a:prstTxWarp prst="textNoShape">
-              <a:avLst/>
-            </a:prstTxWarp>
-          </a:bodyPr>
-          <a:lstStyle/>
-          <a:p>
-            <a:r>
-              <a:rPr lang="en-US" smtClean="0"/>
-              <a:t>CS1010 Programming Methodology</a:t>
-            </a:r>
-          </a:p>
-        </p:txBody>
-      </p:sp>
-      <p:sp>
-        <p:nvSpPr>
-          <p:cNvPr id="64515" name="Rectangle 2"/>
-          <p:cNvSpPr>
-            <a:spLocks noGrp="1" noRot="1" noChangeAspect="1" noChangeArrowheads="1" noTextEdit="1"/>
-          </p:cNvSpPr>
-          <p:nvPr>
-            <p:ph type="sldImg"/>
-          </p:nvPr>
-        </p:nvSpPr>
-        <p:spPr bwMode="auto">
-          <a:xfrm>
-            <a:off x="1182688" y="696913"/>
-            <a:ext cx="4648200" cy="3486150"/>
-          </a:xfrm>
-          <a:noFill/>
-          <a:ln>
-            <a:solidFill>
-              <a:srgbClr val="000000"/>
-            </a:solidFill>
-            <a:miter lim="800000"/>
-            <a:headEnd/>
-            <a:tailEnd/>
-          </a:ln>
-        </p:spPr>
-      </p:sp>
-      <p:sp>
-        <p:nvSpPr>
-          <p:cNvPr id="64516" name="Rectangle 3"/>
-          <p:cNvSpPr>
-            <a:spLocks noGrp="1" noChangeArrowheads="1"/>
-          </p:cNvSpPr>
-          <p:nvPr>
-            <p:ph type="body" idx="1"/>
-          </p:nvPr>
-        </p:nvSpPr>
-        <p:spPr>
-          <a:ln w="9525"/>
-        </p:spPr>
-        <p:txBody>
-          <a:bodyPr/>
-          <a:lstStyle/>
-          <a:p>
-            <a:pPr eaLnBrk="1" hangingPunct="1">
-              <a:defRPr/>
-            </a:pPr>
-            <a:endParaRPr lang="en-US" dirty="0" smtClean="0"/>
-          </a:p>
-        </p:txBody>
-      </p:sp>
-    </p:spTree>
-    <p:extLst>
-      <p:ext uri="{BB962C8B-B14F-4D97-AF65-F5344CB8AC3E}">
         <p14:creationId xmlns:p14="http://schemas.microsoft.com/office/powerpoint/2010/main" val="701378184"/>
-      </p:ext>
-    </p:extLst>
-  </p:cSld>
-  <p:clrMapOvr>
-    <a:masterClrMapping/>
-  </p:clrMapOvr>
-</p:notes>
-</file>
-
-<file path=ppt/notesSlides/notesSlide8.xml><?xml version="1.0" encoding="utf-8"?>
-<p:notes xmlns:a="http://schemas.openxmlformats.org/drawingml/2006/main" xmlns:r="http://schemas.openxmlformats.org/officeDocument/2006/relationships" xmlns:p="http://schemas.openxmlformats.org/presentationml/2006/main">
-  <p:cSld>
-    <p:spTree>
-      <p:nvGrpSpPr>
-        <p:cNvPr id="1" name=""/>
-        <p:cNvGrpSpPr/>
-        <p:nvPr/>
-      </p:nvGrpSpPr>
-      <p:grpSpPr>
-        <a:xfrm>
-          <a:off x="0" y="0"/>
-          <a:ext cx="0" cy="0"/>
-          <a:chOff x="0" y="0"/>
-          <a:chExt cx="0" cy="0"/>
-        </a:xfrm>
-      </p:grpSpPr>
-      <p:sp>
-        <p:nvSpPr>
-          <p:cNvPr id="111618" name="Rectangle 2"/>
-          <p:cNvSpPr>
-            <a:spLocks noGrp="1" noChangeArrowheads="1"/>
-          </p:cNvSpPr>
-          <p:nvPr>
-            <p:ph type="hdr" sz="quarter"/>
-          </p:nvPr>
-        </p:nvSpPr>
-        <p:spPr bwMode="auto">
-          <a:xfrm>
-            <a:off x="0" y="0"/>
-            <a:ext cx="3038786" cy="465341"/>
-          </a:xfrm>
-          <a:noFill/>
-          <a:ln>
-            <a:miter lim="800000"/>
-            <a:headEnd/>
-            <a:tailEnd/>
-          </a:ln>
-        </p:spPr>
-        <p:txBody>
-          <a:bodyPr wrap="square" numCol="1" anchor="t" anchorCtr="0" compatLnSpc="1">
-            <a:prstTxWarp prst="textNoShape">
-              <a:avLst/>
-            </a:prstTxWarp>
-          </a:bodyPr>
-          <a:lstStyle/>
-          <a:p>
-            <a:r>
-              <a:rPr lang="en-US" smtClean="0"/>
-              <a:t>CS1010 Programming Methodology</a:t>
-            </a:r>
-          </a:p>
-        </p:txBody>
-      </p:sp>
-      <p:sp>
-        <p:nvSpPr>
-          <p:cNvPr id="111619" name="Rectangle 2"/>
-          <p:cNvSpPr>
-            <a:spLocks noGrp="1" noRot="1" noChangeAspect="1" noChangeArrowheads="1" noTextEdit="1"/>
-          </p:cNvSpPr>
-          <p:nvPr>
-            <p:ph type="sldImg"/>
-          </p:nvPr>
-        </p:nvSpPr>
-        <p:spPr bwMode="auto">
-          <a:xfrm>
-            <a:off x="1182688" y="696913"/>
-            <a:ext cx="4648200" cy="3486150"/>
-          </a:xfrm>
-          <a:noFill/>
-          <a:ln>
-            <a:solidFill>
-              <a:srgbClr val="000000"/>
-            </a:solidFill>
-            <a:miter lim="800000"/>
-            <a:headEnd/>
-            <a:tailEnd/>
-          </a:ln>
-        </p:spPr>
-      </p:sp>
-      <p:sp>
-        <p:nvSpPr>
-          <p:cNvPr id="111620" name="Rectangle 3"/>
-          <p:cNvSpPr>
-            <a:spLocks noGrp="1" noChangeArrowheads="1"/>
-          </p:cNvSpPr>
-          <p:nvPr>
-            <p:ph type="body" idx="1"/>
-          </p:nvPr>
-        </p:nvSpPr>
-        <p:spPr>
-          <a:noFill/>
-          <a:ln w="9525"/>
-        </p:spPr>
-        <p:txBody>
-          <a:bodyPr/>
-          <a:lstStyle/>
-          <a:p>
-            <a:pPr eaLnBrk="1" hangingPunct="1"/>
-            <a:endParaRPr lang="en-US" smtClean="0"/>
-          </a:p>
-        </p:txBody>
-      </p:sp>
-    </p:spTree>
-    <p:extLst>
-      <p:ext uri="{BB962C8B-B14F-4D97-AF65-F5344CB8AC3E}">
-        <p14:creationId xmlns:p14="http://schemas.microsoft.com/office/powerpoint/2010/main" val="2919872508"/>
       </p:ext>
     </p:extLst>
   </p:cSld>
@@ -5403,1396 +4963,6 @@
 </file>
 
 <file path=ppt/slides/slide1.xml><?xml version="1.0" encoding="utf-8"?>
-<p:sld xmlns:a="http://schemas.openxmlformats.org/drawingml/2006/main" xmlns:r="http://schemas.openxmlformats.org/officeDocument/2006/relationships" xmlns:p="http://schemas.openxmlformats.org/presentationml/2006/main" show="0">
-  <p:cSld>
-    <p:spTree>
-      <p:nvGrpSpPr>
-        <p:cNvPr id="1" name=""/>
-        <p:cNvGrpSpPr/>
-        <p:nvPr/>
-      </p:nvGrpSpPr>
-      <p:grpSpPr>
-        <a:xfrm>
-          <a:off x="0" y="0"/>
-          <a:ext cx="0" cy="0"/>
-          <a:chOff x="0" y="0"/>
-          <a:chExt cx="0" cy="0"/>
-        </a:xfrm>
-      </p:grpSpPr>
-      <p:sp>
-        <p:nvSpPr>
-          <p:cNvPr id="13314" name="Rectangle 2"/>
-          <p:cNvSpPr>
-            <a:spLocks noGrp="1" noChangeArrowheads="1"/>
-          </p:cNvSpPr>
-          <p:nvPr>
-            <p:ph type="ctrTitle"/>
-          </p:nvPr>
-        </p:nvSpPr>
-        <p:spPr>
-          <a:xfrm>
-            <a:off x="719667" y="2252133"/>
-            <a:ext cx="4004733" cy="364067"/>
-          </a:xfrm>
-        </p:spPr>
-        <p:txBody>
-          <a:bodyPr>
-            <a:noAutofit/>
-          </a:bodyPr>
-          <a:lstStyle/>
-          <a:p>
-            <a:pPr algn="dist" eaLnBrk="1" hangingPunct="1"/>
-            <a:r>
-              <a:rPr lang="en-GB" sz="1800" cap="none" dirty="0" smtClean="0">
-                <a:latin typeface="Calibri" panose="020F0502020204030204" pitchFamily="34" charset="0"/>
-                <a:hlinkClick r:id="rId3"/>
-              </a:rPr>
-              <a:t>http://www.comp.nus.edu.sg/~cs1010/</a:t>
-            </a:r>
-            <a:endParaRPr lang="en-GB" sz="1800" cap="none" dirty="0" smtClean="0">
-              <a:latin typeface="Calibri" panose="020F0502020204030204" pitchFamily="34" charset="0"/>
-            </a:endParaRPr>
-          </a:p>
-        </p:txBody>
-      </p:sp>
-      <p:pic>
-        <p:nvPicPr>
-          <p:cNvPr id="6" name="Picture 5"/>
-          <p:cNvPicPr>
-            <a:picLocks noChangeAspect="1"/>
-          </p:cNvPicPr>
-          <p:nvPr/>
-        </p:nvPicPr>
-        <p:blipFill>
-          <a:blip r:embed="rId4">
-            <a:extLst>
-              <a:ext uri="{28A0092B-C50C-407E-A947-70E740481C1C}">
-                <a14:useLocalDpi xmlns:a14="http://schemas.microsoft.com/office/drawing/2010/main" val="0"/>
-              </a:ext>
-            </a:extLst>
-          </a:blip>
-          <a:stretch>
-            <a:fillRect/>
-          </a:stretch>
-        </p:blipFill>
-        <p:spPr>
-          <a:xfrm>
-            <a:off x="3399913" y="4696884"/>
-            <a:ext cx="2445774" cy="1263650"/>
-          </a:xfrm>
-          <a:prstGeom prst="rect">
-            <a:avLst/>
-          </a:prstGeom>
-        </p:spPr>
-      </p:pic>
-      <p:pic>
-        <p:nvPicPr>
-          <p:cNvPr id="7" name="[Picture 6]">
-            <a:hlinkClick r:id="rId5"/>
-          </p:cNvPr>
-          <p:cNvPicPr>
-            <a:picLocks noChangeAspect="1"/>
-          </p:cNvPicPr>
-          <p:nvPr/>
-        </p:nvPicPr>
-        <p:blipFill>
-          <a:blip r:embed="rId6">
-            <a:extLst>
-              <a:ext uri="{28A0092B-C50C-407E-A947-70E740481C1C}">
-                <a14:useLocalDpi xmlns:a14="http://schemas.microsoft.com/office/drawing/2010/main" val="0"/>
-              </a:ext>
-            </a:extLst>
-          </a:blip>
-          <a:stretch>
-            <a:fillRect/>
-          </a:stretch>
-        </p:blipFill>
-        <p:spPr>
-          <a:xfrm>
-            <a:off x="746292" y="1368425"/>
-            <a:ext cx="5687149" cy="934508"/>
-          </a:xfrm>
-          <a:prstGeom prst="rect">
-            <a:avLst/>
-          </a:prstGeom>
-        </p:spPr>
-      </p:pic>
-      <p:sp>
-        <p:nvSpPr>
-          <p:cNvPr id="8" name="[TextBox 7]"/>
-          <p:cNvSpPr txBox="1"/>
-          <p:nvPr/>
-        </p:nvSpPr>
-        <p:spPr>
-          <a:xfrm>
-            <a:off x="3513667" y="2912533"/>
-            <a:ext cx="2218267" cy="461665"/>
-          </a:xfrm>
-          <a:prstGeom prst="rect">
-            <a:avLst/>
-          </a:prstGeom>
-          <a:noFill/>
-        </p:spPr>
-        <p:txBody>
-          <a:bodyPr wrap="square" rtlCol="0">
-            <a:spAutoFit/>
-          </a:bodyPr>
-          <a:lstStyle/>
-          <a:p>
-            <a:pPr algn="ctr"/>
-            <a:r>
-              <a:rPr lang="en-US" sz="2400" smtClean="0">
-                <a:solidFill>
-                  <a:srgbClr val="C00000"/>
-                </a:solidFill>
-                <a:latin typeface="Calibri" panose="020F0502020204030204" pitchFamily="34" charset="0"/>
-              </a:rPr>
-              <a:t>UNIT 16 </a:t>
-            </a:r>
-            <a:r>
-              <a:rPr lang="en-US" sz="2400" dirty="0" smtClean="0">
-                <a:solidFill>
-                  <a:srgbClr val="C00000"/>
-                </a:solidFill>
-                <a:latin typeface="Calibri" panose="020F0502020204030204" pitchFamily="34" charset="0"/>
-              </a:rPr>
-              <a:t>(Extra)</a:t>
-            </a:r>
-            <a:endParaRPr lang="en-US" sz="2400" dirty="0">
-              <a:solidFill>
-                <a:srgbClr val="C00000"/>
-              </a:solidFill>
-              <a:latin typeface="Calibri" panose="020F0502020204030204" pitchFamily="34" charset="0"/>
-            </a:endParaRPr>
-          </a:p>
-        </p:txBody>
-      </p:sp>
-      <p:sp>
-        <p:nvSpPr>
-          <p:cNvPr id="11" name="[TextBox 7]"/>
-          <p:cNvSpPr txBox="1"/>
-          <p:nvPr/>
-        </p:nvSpPr>
-        <p:spPr>
-          <a:xfrm>
-            <a:off x="1058333" y="3462867"/>
-            <a:ext cx="7128934" cy="584775"/>
-          </a:xfrm>
-          <a:prstGeom prst="rect">
-            <a:avLst/>
-          </a:prstGeom>
-          <a:noFill/>
-        </p:spPr>
-        <p:txBody>
-          <a:bodyPr wrap="square" rtlCol="0">
-            <a:spAutoFit/>
-          </a:bodyPr>
-          <a:lstStyle/>
-          <a:p>
-            <a:pPr algn="ctr"/>
-            <a:r>
-              <a:rPr lang="en-US" sz="3200" smtClean="0">
-                <a:solidFill>
-                  <a:srgbClr val="C00000"/>
-                </a:solidFill>
-                <a:latin typeface="Calibri" panose="020F0502020204030204" pitchFamily="34" charset="0"/>
-              </a:rPr>
-              <a:t>Characters and Strings</a:t>
-            </a:r>
-            <a:endParaRPr lang="en-US" sz="3200" dirty="0">
-              <a:solidFill>
-                <a:srgbClr val="C00000"/>
-              </a:solidFill>
-              <a:latin typeface="Calibri" panose="020F0502020204030204" pitchFamily="34" charset="0"/>
-            </a:endParaRPr>
-          </a:p>
-        </p:txBody>
-      </p:sp>
-    </p:spTree>
-  </p:cSld>
-  <p:clrMapOvr>
-    <a:masterClrMapping/>
-  </p:clrMapOvr>
-  <p:transition>
-    <p:fade/>
-  </p:transition>
-  <p:timing>
-    <p:tnLst>
-      <p:par>
-        <p:cTn id="1" dur="indefinite" restart="never" nodeType="tmRoot"/>
-      </p:par>
-    </p:tnLst>
-  </p:timing>
-</p:sld>
-</file>
-
-<file path=ppt/slides/slide10.xml><?xml version="1.0" encoding="utf-8"?>
-<p:sld xmlns:a="http://schemas.openxmlformats.org/drawingml/2006/main" xmlns:r="http://schemas.openxmlformats.org/officeDocument/2006/relationships" xmlns:p="http://schemas.openxmlformats.org/presentationml/2006/main">
-  <p:cSld>
-    <p:spTree>
-      <p:nvGrpSpPr>
-        <p:cNvPr id="1" name=""/>
-        <p:cNvGrpSpPr/>
-        <p:nvPr/>
-      </p:nvGrpSpPr>
-      <p:grpSpPr>
-        <a:xfrm>
-          <a:off x="0" y="0"/>
-          <a:ext cx="0" cy="0"/>
-          <a:chOff x="0" y="0"/>
-          <a:chExt cx="0" cy="0"/>
-        </a:xfrm>
-      </p:grpSpPr>
-      <p:sp>
-        <p:nvSpPr>
-          <p:cNvPr id="14338" name="Rectangle 2"/>
-          <p:cNvSpPr>
-            <a:spLocks noGrp="1" noChangeArrowheads="1"/>
-          </p:cNvSpPr>
-          <p:nvPr>
-            <p:ph type="title"/>
-          </p:nvPr>
-        </p:nvSpPr>
-        <p:spPr>
-          <a:xfrm>
-            <a:off x="533400" y="381000"/>
-            <a:ext cx="8382000" cy="838200"/>
-          </a:xfrm>
-        </p:spPr>
-        <p:txBody>
-          <a:bodyPr>
-            <a:normAutofit/>
-          </a:bodyPr>
-          <a:lstStyle/>
-          <a:p>
-            <a:pPr eaLnBrk="1" hangingPunct="1"/>
-            <a:r>
-              <a:rPr lang="en-GB" sz="3600" smtClean="0">
-                <a:solidFill>
-                  <a:srgbClr val="0000FF"/>
-                </a:solidFill>
-              </a:rPr>
-              <a:t>2. Command-line Arguments (2/2)</a:t>
-            </a:r>
-            <a:endParaRPr lang="en-GB" sz="3600" dirty="0" smtClean="0">
-              <a:solidFill>
-                <a:srgbClr val="0000FF"/>
-              </a:solidFill>
-            </a:endParaRPr>
-          </a:p>
-        </p:txBody>
-      </p:sp>
-      <p:sp>
-        <p:nvSpPr>
-          <p:cNvPr id="14340" name="Footer Placeholder 5"/>
-          <p:cNvSpPr>
-            <a:spLocks noGrp="1"/>
-          </p:cNvSpPr>
-          <p:nvPr>
-            <p:ph type="ftr" sz="quarter" idx="11"/>
-          </p:nvPr>
-        </p:nvSpPr>
-        <p:spPr>
-          <a:noFill/>
-        </p:spPr>
-        <p:txBody>
-          <a:bodyPr/>
-          <a:lstStyle/>
-          <a:p>
-            <a:pPr algn="l"/>
-            <a:r>
-              <a:rPr lang="en-US" smtClean="0"/>
-              <a:t>Programming Methodology</a:t>
-            </a:r>
-            <a:endParaRPr lang="en-US" dirty="0" smtClean="0"/>
-          </a:p>
-        </p:txBody>
-      </p:sp>
-      <p:sp>
-        <p:nvSpPr>
-          <p:cNvPr id="7" name="Slide Number Placeholder 6"/>
-          <p:cNvSpPr>
-            <a:spLocks noGrp="1"/>
-          </p:cNvSpPr>
-          <p:nvPr>
-            <p:ph type="sldNum" sz="quarter" idx="12"/>
-          </p:nvPr>
-        </p:nvSpPr>
-        <p:spPr/>
-        <p:txBody>
-          <a:bodyPr>
-            <a:normAutofit/>
-          </a:bodyPr>
-          <a:lstStyle/>
-          <a:p>
-            <a:pPr>
-              <a:defRPr/>
-            </a:pPr>
-            <a:r>
-              <a:rPr lang="en-US" sz="1200" smtClean="0"/>
-              <a:t>Unit16 </a:t>
-            </a:r>
-            <a:r>
-              <a:rPr sz="1200" smtClean="0"/>
-              <a:t>- </a:t>
-            </a:r>
-            <a:fld id="{F7EC234A-9094-4BB8-9EA4-75ECDA8A365B}" type="slidenum">
-              <a:rPr sz="1200" smtClean="0"/>
-              <a:pPr>
-                <a:defRPr/>
-              </a:pPr>
-              <a:t>10</a:t>
-            </a:fld>
-            <a:endParaRPr sz="1200" dirty="0"/>
-          </a:p>
-        </p:txBody>
-      </p:sp>
-      <p:sp>
-        <p:nvSpPr>
-          <p:cNvPr id="8" name="Rectangle 8"/>
-          <p:cNvSpPr>
-            <a:spLocks noChangeArrowheads="1"/>
-          </p:cNvSpPr>
-          <p:nvPr/>
-        </p:nvSpPr>
-        <p:spPr bwMode="auto">
-          <a:xfrm>
-            <a:off x="639763" y="1308100"/>
-            <a:ext cx="8105775" cy="3263900"/>
-          </a:xfrm>
-          <a:prstGeom prst="rect">
-            <a:avLst/>
-          </a:prstGeom>
-          <a:noFill/>
-          <a:ln w="9525">
-            <a:solidFill>
-              <a:schemeClr val="tx1"/>
-            </a:solidFill>
-            <a:miter lim="800000"/>
-            <a:headEnd/>
-            <a:tailEnd/>
-          </a:ln>
-        </p:spPr>
-        <p:txBody>
-          <a:bodyPr/>
-          <a:lstStyle/>
-          <a:p>
-            <a:pPr eaLnBrk="0" hangingPunct="0">
-              <a:tabLst>
-                <a:tab pos="341313" algn="l"/>
-                <a:tab pos="682625" algn="l"/>
-                <a:tab pos="1023938" algn="l"/>
-              </a:tabLst>
-            </a:pPr>
-            <a:r>
-              <a:rPr lang="en-US" sz="1600" b="1" dirty="0">
-                <a:latin typeface="Courier New" pitchFamily="49" charset="0"/>
-              </a:rPr>
-              <a:t>#include &lt;</a:t>
-            </a:r>
-            <a:r>
-              <a:rPr lang="en-US" sz="1600" b="1" dirty="0" err="1">
-                <a:latin typeface="Courier New" pitchFamily="49" charset="0"/>
-              </a:rPr>
-              <a:t>stdio.h</a:t>
-            </a:r>
-            <a:r>
-              <a:rPr lang="en-US" sz="1600" b="1" dirty="0">
-                <a:latin typeface="Courier New" pitchFamily="49" charset="0"/>
-              </a:rPr>
-              <a:t>&gt;</a:t>
-            </a:r>
-          </a:p>
-          <a:p>
-            <a:pPr eaLnBrk="0" hangingPunct="0">
-              <a:tabLst>
-                <a:tab pos="341313" algn="l"/>
-                <a:tab pos="682625" algn="l"/>
-                <a:tab pos="1023938" algn="l"/>
-              </a:tabLst>
-            </a:pPr>
-            <a:r>
-              <a:rPr lang="en-US" sz="1600" b="1" dirty="0" err="1">
-                <a:latin typeface="Courier New" pitchFamily="49" charset="0"/>
-              </a:rPr>
-              <a:t>int</a:t>
-            </a:r>
-            <a:r>
-              <a:rPr lang="en-US" sz="1600" b="1" dirty="0">
-                <a:latin typeface="Courier New" pitchFamily="49" charset="0"/>
-              </a:rPr>
-              <a:t> main(</a:t>
-            </a:r>
-            <a:r>
-              <a:rPr lang="en-US" sz="1600" b="1" dirty="0" err="1">
-                <a:solidFill>
-                  <a:srgbClr val="C00000"/>
-                </a:solidFill>
-                <a:latin typeface="Courier New" pitchFamily="49" charset="0"/>
-              </a:rPr>
-              <a:t>int</a:t>
-            </a:r>
-            <a:r>
-              <a:rPr lang="en-US" sz="1600" b="1" dirty="0">
-                <a:solidFill>
-                  <a:srgbClr val="C00000"/>
-                </a:solidFill>
-                <a:latin typeface="Courier New" pitchFamily="49" charset="0"/>
-              </a:rPr>
-              <a:t> </a:t>
-            </a:r>
-            <a:r>
-              <a:rPr lang="en-US" sz="1600" b="1" dirty="0" err="1">
-                <a:solidFill>
-                  <a:srgbClr val="C00000"/>
-                </a:solidFill>
-                <a:latin typeface="Courier New" pitchFamily="49" charset="0"/>
-              </a:rPr>
-              <a:t>argc</a:t>
-            </a:r>
-            <a:r>
-              <a:rPr lang="en-US" sz="1600" b="1" dirty="0">
-                <a:latin typeface="Courier New" pitchFamily="49" charset="0"/>
-              </a:rPr>
-              <a:t>, </a:t>
-            </a:r>
-            <a:r>
-              <a:rPr lang="en-US" sz="1600" b="1" dirty="0">
-                <a:solidFill>
-                  <a:srgbClr val="C00000"/>
-                </a:solidFill>
-                <a:latin typeface="Courier New" pitchFamily="49" charset="0"/>
-              </a:rPr>
-              <a:t>char *</a:t>
-            </a:r>
-            <a:r>
-              <a:rPr lang="en-US" sz="1600" b="1" dirty="0" err="1">
-                <a:solidFill>
-                  <a:srgbClr val="C00000"/>
-                </a:solidFill>
-                <a:latin typeface="Courier New" pitchFamily="49" charset="0"/>
-              </a:rPr>
-              <a:t>argv</a:t>
-            </a:r>
-            <a:r>
-              <a:rPr lang="en-US" sz="1600" b="1" dirty="0" smtClean="0">
-                <a:solidFill>
-                  <a:srgbClr val="C00000"/>
-                </a:solidFill>
-                <a:latin typeface="Courier New" pitchFamily="49" charset="0"/>
-              </a:rPr>
-              <a:t>[]</a:t>
-            </a:r>
-            <a:r>
-              <a:rPr lang="en-US" sz="1600" b="1" dirty="0" smtClean="0">
-                <a:latin typeface="Courier New" pitchFamily="49" charset="0"/>
-              </a:rPr>
-              <a:t>) {  </a:t>
-            </a:r>
-            <a:endParaRPr lang="en-US" sz="1600" b="1" dirty="0">
-              <a:latin typeface="Courier New" pitchFamily="49" charset="0"/>
-            </a:endParaRPr>
-          </a:p>
-          <a:p>
-            <a:pPr eaLnBrk="0" hangingPunct="0">
-              <a:tabLst>
-                <a:tab pos="341313" algn="l"/>
-                <a:tab pos="682625" algn="l"/>
-                <a:tab pos="1023938" algn="l"/>
-              </a:tabLst>
-            </a:pPr>
-            <a:r>
-              <a:rPr lang="en-US" sz="1600" b="1" dirty="0">
-                <a:latin typeface="Courier New" pitchFamily="49" charset="0"/>
-              </a:rPr>
-              <a:t>	</a:t>
-            </a:r>
-            <a:r>
-              <a:rPr lang="en-US" sz="1600" b="1" dirty="0" err="1">
-                <a:latin typeface="Courier New" pitchFamily="49" charset="0"/>
-              </a:rPr>
-              <a:t>int</a:t>
-            </a:r>
-            <a:r>
-              <a:rPr lang="en-US" sz="1600" b="1" dirty="0">
-                <a:latin typeface="Courier New" pitchFamily="49" charset="0"/>
-              </a:rPr>
-              <a:t> count;  </a:t>
-            </a:r>
-            <a:endParaRPr lang="en-US" sz="1600" b="1" dirty="0" smtClean="0">
-              <a:latin typeface="Courier New" pitchFamily="49" charset="0"/>
-            </a:endParaRPr>
-          </a:p>
-          <a:p>
-            <a:pPr eaLnBrk="0" hangingPunct="0">
-              <a:tabLst>
-                <a:tab pos="341313" algn="l"/>
-                <a:tab pos="682625" algn="l"/>
-                <a:tab pos="1023938" algn="l"/>
-              </a:tabLst>
-            </a:pPr>
-            <a:endParaRPr lang="en-US" sz="1600" b="1" dirty="0">
-              <a:latin typeface="Courier New" pitchFamily="49" charset="0"/>
-            </a:endParaRPr>
-          </a:p>
-          <a:p>
-            <a:pPr eaLnBrk="0" hangingPunct="0">
-              <a:tabLst>
-                <a:tab pos="341313" algn="l"/>
-                <a:tab pos="682625" algn="l"/>
-                <a:tab pos="1023938" algn="l"/>
-              </a:tabLst>
-            </a:pPr>
-            <a:r>
-              <a:rPr lang="en-US" sz="1600" b="1" dirty="0">
-                <a:latin typeface="Courier New" pitchFamily="49" charset="0"/>
-              </a:rPr>
-              <a:t>	</a:t>
-            </a:r>
-            <a:r>
-              <a:rPr lang="en-US" sz="1600" b="1" dirty="0" err="1">
-                <a:latin typeface="Courier New" pitchFamily="49" charset="0"/>
-              </a:rPr>
-              <a:t>printf</a:t>
-            </a:r>
-            <a:r>
-              <a:rPr lang="en-US" sz="1600" b="1" dirty="0">
-                <a:latin typeface="Courier New" pitchFamily="49" charset="0"/>
-              </a:rPr>
-              <a:t> ("This program was called with </a:t>
-            </a:r>
-            <a:r>
-              <a:rPr lang="en-US" sz="1600" b="1" dirty="0" smtClean="0">
-                <a:latin typeface="Courier New" pitchFamily="49" charset="0"/>
-              </a:rPr>
-              <a:t>\"%</a:t>
-            </a:r>
-            <a:r>
-              <a:rPr lang="en-US" sz="1600" b="1" dirty="0">
-                <a:latin typeface="Courier New" pitchFamily="49" charset="0"/>
-              </a:rPr>
-              <a:t>s</a:t>
-            </a:r>
-            <a:r>
-              <a:rPr lang="en-US" sz="1600" b="1" dirty="0" smtClean="0">
-                <a:latin typeface="Courier New" pitchFamily="49" charset="0"/>
-              </a:rPr>
-              <a:t>\"\n", </a:t>
-            </a:r>
-            <a:r>
-              <a:rPr lang="en-US" sz="1600" b="1" dirty="0" err="1">
-                <a:solidFill>
-                  <a:srgbClr val="C00000"/>
-                </a:solidFill>
-                <a:latin typeface="Courier New" pitchFamily="49" charset="0"/>
-              </a:rPr>
-              <a:t>argv</a:t>
-            </a:r>
-            <a:r>
-              <a:rPr lang="en-US" sz="1600" b="1" dirty="0">
-                <a:solidFill>
-                  <a:srgbClr val="C00000"/>
-                </a:solidFill>
-                <a:latin typeface="Courier New" pitchFamily="49" charset="0"/>
-              </a:rPr>
-              <a:t>[0]</a:t>
-            </a:r>
-            <a:r>
-              <a:rPr lang="en-US" sz="1600" b="1" dirty="0">
-                <a:latin typeface="Courier New" pitchFamily="49" charset="0"/>
-              </a:rPr>
-              <a:t>);</a:t>
-            </a:r>
-          </a:p>
-          <a:p>
-            <a:pPr eaLnBrk="0" hangingPunct="0">
-              <a:tabLst>
-                <a:tab pos="341313" algn="l"/>
-                <a:tab pos="682625" algn="l"/>
-                <a:tab pos="1023938" algn="l"/>
-              </a:tabLst>
-            </a:pPr>
-            <a:r>
-              <a:rPr lang="en-US" sz="1600" b="1" dirty="0">
-                <a:latin typeface="Courier New" pitchFamily="49" charset="0"/>
-              </a:rPr>
-              <a:t>	if (</a:t>
-            </a:r>
-            <a:r>
-              <a:rPr lang="en-US" sz="1600" b="1" dirty="0" err="1">
-                <a:solidFill>
-                  <a:srgbClr val="C00000"/>
-                </a:solidFill>
-                <a:latin typeface="Courier New" pitchFamily="49" charset="0"/>
-              </a:rPr>
-              <a:t>argc</a:t>
-            </a:r>
-            <a:r>
-              <a:rPr lang="en-US" sz="1600" b="1" dirty="0">
-                <a:latin typeface="Courier New" pitchFamily="49" charset="0"/>
-              </a:rPr>
-              <a:t> &gt; 1)    </a:t>
-            </a:r>
-          </a:p>
-          <a:p>
-            <a:pPr eaLnBrk="0" hangingPunct="0">
-              <a:tabLst>
-                <a:tab pos="341313" algn="l"/>
-                <a:tab pos="682625" algn="l"/>
-                <a:tab pos="1023938" algn="l"/>
-              </a:tabLst>
-            </a:pPr>
-            <a:r>
-              <a:rPr lang="en-US" sz="1600" b="1" dirty="0">
-                <a:latin typeface="Courier New" pitchFamily="49" charset="0"/>
-              </a:rPr>
-              <a:t>		for (count = 1; count &lt; </a:t>
-            </a:r>
-            <a:r>
-              <a:rPr lang="en-US" sz="1600" b="1" dirty="0" err="1">
-                <a:solidFill>
-                  <a:srgbClr val="C00000"/>
-                </a:solidFill>
-                <a:latin typeface="Courier New" pitchFamily="49" charset="0"/>
-              </a:rPr>
-              <a:t>argc</a:t>
-            </a:r>
-            <a:r>
-              <a:rPr lang="en-US" sz="1600" b="1" dirty="0">
-                <a:latin typeface="Courier New" pitchFamily="49" charset="0"/>
-              </a:rPr>
-              <a:t>; count++)</a:t>
-            </a:r>
-          </a:p>
-          <a:p>
-            <a:pPr eaLnBrk="0" hangingPunct="0">
-              <a:tabLst>
-                <a:tab pos="341313" algn="l"/>
-                <a:tab pos="682625" algn="l"/>
-                <a:tab pos="1023938" algn="l"/>
-              </a:tabLst>
-            </a:pPr>
-            <a:r>
-              <a:rPr lang="en-US" sz="1600" b="1" dirty="0">
-                <a:latin typeface="Courier New" pitchFamily="49" charset="0"/>
-              </a:rPr>
-              <a:t>			</a:t>
-            </a:r>
-            <a:r>
-              <a:rPr lang="en-US" sz="1600" b="1" dirty="0" err="1">
-                <a:latin typeface="Courier New" pitchFamily="49" charset="0"/>
-              </a:rPr>
-              <a:t>printf</a:t>
-            </a:r>
-            <a:r>
-              <a:rPr lang="en-US" sz="1600" b="1" dirty="0">
-                <a:latin typeface="Courier New" pitchFamily="49" charset="0"/>
-              </a:rPr>
-              <a:t>("</a:t>
-            </a:r>
-            <a:r>
-              <a:rPr lang="en-US" sz="1600" b="1" dirty="0" err="1">
-                <a:latin typeface="Courier New" pitchFamily="49" charset="0"/>
-              </a:rPr>
-              <a:t>argv</a:t>
-            </a:r>
-            <a:r>
-              <a:rPr lang="en-US" sz="1600" b="1" dirty="0">
-                <a:latin typeface="Courier New" pitchFamily="49" charset="0"/>
-              </a:rPr>
-              <a:t>[%d] = %s\n", count, </a:t>
-            </a:r>
-            <a:r>
-              <a:rPr lang="en-US" sz="1600" b="1" dirty="0" err="1">
-                <a:solidFill>
-                  <a:srgbClr val="C00000"/>
-                </a:solidFill>
-                <a:latin typeface="Courier New" pitchFamily="49" charset="0"/>
-              </a:rPr>
-              <a:t>argv</a:t>
-            </a:r>
-            <a:r>
-              <a:rPr lang="en-US" sz="1600" b="1" dirty="0">
-                <a:solidFill>
-                  <a:srgbClr val="C00000"/>
-                </a:solidFill>
-                <a:latin typeface="Courier New" pitchFamily="49" charset="0"/>
-              </a:rPr>
-              <a:t>[count]</a:t>
-            </a:r>
-            <a:r>
-              <a:rPr lang="en-US" sz="1600" b="1" dirty="0">
-                <a:latin typeface="Courier New" pitchFamily="49" charset="0"/>
-              </a:rPr>
-              <a:t>);</a:t>
-            </a:r>
-          </a:p>
-          <a:p>
-            <a:pPr eaLnBrk="0" hangingPunct="0">
-              <a:tabLst>
-                <a:tab pos="341313" algn="l"/>
-                <a:tab pos="682625" algn="l"/>
-                <a:tab pos="1023938" algn="l"/>
-              </a:tabLst>
-            </a:pPr>
-            <a:r>
-              <a:rPr lang="en-US" sz="1600" b="1" dirty="0">
-                <a:latin typeface="Courier New" pitchFamily="49" charset="0"/>
-              </a:rPr>
-              <a:t>	else </a:t>
-            </a:r>
-          </a:p>
-          <a:p>
-            <a:pPr eaLnBrk="0" hangingPunct="0">
-              <a:tabLst>
-                <a:tab pos="341313" algn="l"/>
-                <a:tab pos="682625" algn="l"/>
-                <a:tab pos="1023938" algn="l"/>
-              </a:tabLst>
-            </a:pPr>
-            <a:r>
-              <a:rPr lang="en-US" sz="1600" b="1" dirty="0">
-                <a:latin typeface="Courier New" pitchFamily="49" charset="0"/>
-              </a:rPr>
-              <a:t>		</a:t>
-            </a:r>
-            <a:r>
-              <a:rPr lang="en-US" sz="1600" b="1" dirty="0" err="1">
-                <a:latin typeface="Courier New" pitchFamily="49" charset="0"/>
-              </a:rPr>
-              <a:t>printf</a:t>
-            </a:r>
-            <a:r>
-              <a:rPr lang="en-US" sz="1600" b="1" dirty="0">
-                <a:latin typeface="Courier New" pitchFamily="49" charset="0"/>
-              </a:rPr>
-              <a:t>("The command had no argument.\n");</a:t>
-            </a:r>
-          </a:p>
-          <a:p>
-            <a:pPr eaLnBrk="0" hangingPunct="0">
-              <a:tabLst>
-                <a:tab pos="341313" algn="l"/>
-                <a:tab pos="682625" algn="l"/>
-                <a:tab pos="1023938" algn="l"/>
-              </a:tabLst>
-            </a:pPr>
-            <a:r>
-              <a:rPr lang="en-US" sz="1600" b="1" dirty="0">
-                <a:latin typeface="Courier New" pitchFamily="49" charset="0"/>
-              </a:rPr>
-              <a:t>    </a:t>
-            </a:r>
-          </a:p>
-          <a:p>
-            <a:pPr eaLnBrk="0" hangingPunct="0">
-              <a:tabLst>
-                <a:tab pos="341313" algn="l"/>
-                <a:tab pos="682625" algn="l"/>
-                <a:tab pos="1023938" algn="l"/>
-              </a:tabLst>
-            </a:pPr>
-            <a:r>
-              <a:rPr lang="en-US" sz="1600" b="1" dirty="0">
-                <a:latin typeface="Courier New" pitchFamily="49" charset="0"/>
-              </a:rPr>
-              <a:t>	return 0;</a:t>
-            </a:r>
-          </a:p>
-          <a:p>
-            <a:pPr eaLnBrk="0" hangingPunct="0">
-              <a:tabLst>
-                <a:tab pos="341313" algn="l"/>
-                <a:tab pos="682625" algn="l"/>
-                <a:tab pos="1023938" algn="l"/>
-              </a:tabLst>
-            </a:pPr>
-            <a:r>
-              <a:rPr lang="en-US" sz="1600" b="1" dirty="0">
-                <a:latin typeface="Courier New" pitchFamily="49" charset="0"/>
-              </a:rPr>
-              <a:t>}</a:t>
-            </a:r>
-          </a:p>
-        </p:txBody>
-      </p:sp>
-      <p:sp>
-        <p:nvSpPr>
-          <p:cNvPr id="9" name="TextBox 8"/>
-          <p:cNvSpPr txBox="1"/>
-          <p:nvPr/>
-        </p:nvSpPr>
-        <p:spPr>
-          <a:xfrm>
-            <a:off x="2765425" y="4240213"/>
-            <a:ext cx="5873750" cy="1939925"/>
-          </a:xfrm>
-          <a:prstGeom prst="rect">
-            <a:avLst/>
-          </a:prstGeom>
-          <a:solidFill>
-            <a:srgbClr val="FFFFCC"/>
-          </a:solidFill>
-        </p:spPr>
-        <p:style>
-          <a:lnRef idx="2">
-            <a:schemeClr val="accent1"/>
-          </a:lnRef>
-          <a:fillRef idx="1">
-            <a:schemeClr val="lt1"/>
-          </a:fillRef>
-          <a:effectRef idx="0">
-            <a:schemeClr val="accent1"/>
-          </a:effectRef>
-          <a:fontRef idx="minor">
-            <a:schemeClr val="dk1"/>
-          </a:fontRef>
-        </p:style>
-        <p:txBody>
-          <a:bodyPr>
-            <a:spAutoFit/>
-          </a:bodyPr>
-          <a:lstStyle/>
-          <a:p>
-            <a:pPr>
-              <a:defRPr/>
-            </a:pPr>
-            <a:r>
-              <a:rPr lang="en-US" sz="2000" b="1" err="1">
-                <a:solidFill>
-                  <a:schemeClr val="tx1"/>
-                </a:solidFill>
-                <a:latin typeface="Courier New" pitchFamily="49" charset="0"/>
-                <a:cs typeface="Courier New" pitchFamily="49" charset="0"/>
-              </a:rPr>
-              <a:t>gcc</a:t>
-            </a:r>
-            <a:r>
-              <a:rPr lang="en-US" sz="2000" b="1">
-                <a:solidFill>
-                  <a:schemeClr val="tx1"/>
-                </a:solidFill>
-                <a:latin typeface="Courier New" pitchFamily="49" charset="0"/>
-                <a:cs typeface="Courier New" pitchFamily="49" charset="0"/>
-              </a:rPr>
-              <a:t> </a:t>
-            </a:r>
-            <a:r>
-              <a:rPr lang="en-US" sz="2000" b="1" smtClean="0">
-                <a:solidFill>
-                  <a:schemeClr val="tx1"/>
-                </a:solidFill>
-                <a:latin typeface="Courier New" pitchFamily="49" charset="0"/>
-                <a:cs typeface="Courier New" pitchFamily="49" charset="0"/>
-              </a:rPr>
-              <a:t>–Wall Unit16_CommandLineArgs.c</a:t>
-            </a:r>
-            <a:endParaRPr lang="en-US" sz="2000" b="1" dirty="0">
-              <a:solidFill>
-                <a:schemeClr val="tx1"/>
-              </a:solidFill>
-              <a:latin typeface="Courier New" pitchFamily="49" charset="0"/>
-              <a:cs typeface="Courier New" pitchFamily="49" charset="0"/>
-            </a:endParaRPr>
-          </a:p>
-          <a:p>
-            <a:pPr>
-              <a:defRPr/>
-            </a:pPr>
-            <a:r>
-              <a:rPr lang="en-US" sz="2000" b="1" dirty="0" err="1">
-                <a:solidFill>
-                  <a:schemeClr val="tx1"/>
-                </a:solidFill>
-                <a:latin typeface="Courier New" pitchFamily="49" charset="0"/>
-                <a:cs typeface="Courier New" pitchFamily="49" charset="0"/>
-              </a:rPr>
-              <a:t>a.out</a:t>
-            </a:r>
-            <a:r>
-              <a:rPr lang="en-US" sz="2000" b="1" dirty="0">
-                <a:solidFill>
-                  <a:schemeClr val="tx1"/>
-                </a:solidFill>
-                <a:latin typeface="Courier New" pitchFamily="49" charset="0"/>
-                <a:cs typeface="Courier New" pitchFamily="49" charset="0"/>
-              </a:rPr>
-              <a:t> water "ice cream" 34+7</a:t>
-            </a:r>
-          </a:p>
-          <a:p>
-            <a:pPr>
-              <a:defRPr/>
-            </a:pPr>
-            <a:r>
-              <a:rPr lang="en-US" sz="2000" b="1" dirty="0">
-                <a:solidFill>
-                  <a:srgbClr val="0000FF"/>
-                </a:solidFill>
-                <a:latin typeface="Courier New" pitchFamily="49" charset="0"/>
-                <a:cs typeface="Courier New" pitchFamily="49" charset="0"/>
-              </a:rPr>
-              <a:t>This program was called with "</a:t>
-            </a:r>
-            <a:r>
-              <a:rPr lang="en-US" sz="2000" b="1" dirty="0" err="1">
-                <a:solidFill>
-                  <a:srgbClr val="0000FF"/>
-                </a:solidFill>
-                <a:latin typeface="Courier New" pitchFamily="49" charset="0"/>
-                <a:cs typeface="Courier New" pitchFamily="49" charset="0"/>
-              </a:rPr>
-              <a:t>a.out</a:t>
-            </a:r>
-            <a:r>
-              <a:rPr lang="en-US" sz="2000" b="1" dirty="0">
-                <a:solidFill>
-                  <a:srgbClr val="0000FF"/>
-                </a:solidFill>
-                <a:latin typeface="Courier New" pitchFamily="49" charset="0"/>
-                <a:cs typeface="Courier New" pitchFamily="49" charset="0"/>
-              </a:rPr>
-              <a:t>"</a:t>
-            </a:r>
-          </a:p>
-          <a:p>
-            <a:pPr>
-              <a:defRPr/>
-            </a:pPr>
-            <a:r>
-              <a:rPr lang="en-US" sz="2000" b="1" dirty="0" err="1">
-                <a:solidFill>
-                  <a:srgbClr val="0000FF"/>
-                </a:solidFill>
-                <a:latin typeface="Courier New" pitchFamily="49" charset="0"/>
-                <a:cs typeface="Courier New" pitchFamily="49" charset="0"/>
-              </a:rPr>
-              <a:t>argv</a:t>
-            </a:r>
-            <a:r>
-              <a:rPr lang="en-US" sz="2000" b="1" dirty="0">
-                <a:solidFill>
-                  <a:srgbClr val="0000FF"/>
-                </a:solidFill>
-                <a:latin typeface="Courier New" pitchFamily="49" charset="0"/>
-                <a:cs typeface="Courier New" pitchFamily="49" charset="0"/>
-              </a:rPr>
-              <a:t>[1] = water</a:t>
-            </a:r>
-          </a:p>
-          <a:p>
-            <a:pPr>
-              <a:defRPr/>
-            </a:pPr>
-            <a:r>
-              <a:rPr lang="en-US" sz="2000" b="1" dirty="0" err="1">
-                <a:solidFill>
-                  <a:srgbClr val="0000FF"/>
-                </a:solidFill>
-                <a:latin typeface="Courier New" pitchFamily="49" charset="0"/>
-                <a:cs typeface="Courier New" pitchFamily="49" charset="0"/>
-              </a:rPr>
-              <a:t>argv</a:t>
-            </a:r>
-            <a:r>
-              <a:rPr lang="en-US" sz="2000" b="1" dirty="0">
-                <a:solidFill>
-                  <a:srgbClr val="0000FF"/>
-                </a:solidFill>
-                <a:latin typeface="Courier New" pitchFamily="49" charset="0"/>
-                <a:cs typeface="Courier New" pitchFamily="49" charset="0"/>
-              </a:rPr>
-              <a:t>[2] = ice cream</a:t>
-            </a:r>
-          </a:p>
-          <a:p>
-            <a:pPr>
-              <a:defRPr/>
-            </a:pPr>
-            <a:r>
-              <a:rPr lang="en-US" sz="2000" b="1" dirty="0" err="1">
-                <a:solidFill>
-                  <a:srgbClr val="0000FF"/>
-                </a:solidFill>
-                <a:latin typeface="Courier New" pitchFamily="49" charset="0"/>
-                <a:cs typeface="Courier New" pitchFamily="49" charset="0"/>
-              </a:rPr>
-              <a:t>argv</a:t>
-            </a:r>
-            <a:r>
-              <a:rPr lang="en-US" sz="2000" b="1" dirty="0">
-                <a:solidFill>
-                  <a:srgbClr val="0000FF"/>
-                </a:solidFill>
-                <a:latin typeface="Courier New" pitchFamily="49" charset="0"/>
-                <a:cs typeface="Courier New" pitchFamily="49" charset="0"/>
-              </a:rPr>
-              <a:t>[3] = 34+7</a:t>
-            </a:r>
-          </a:p>
-        </p:txBody>
-      </p:sp>
-      <p:sp>
-        <p:nvSpPr>
-          <p:cNvPr id="11" name="TextBox 10"/>
-          <p:cNvSpPr txBox="1"/>
-          <p:nvPr/>
-        </p:nvSpPr>
-        <p:spPr>
-          <a:xfrm>
-            <a:off x="5702300" y="1203325"/>
-            <a:ext cx="3235325" cy="369332"/>
-          </a:xfrm>
-          <a:prstGeom prst="rect">
-            <a:avLst/>
-          </a:prstGeom>
-          <a:solidFill>
-            <a:srgbClr val="FFFFCC"/>
-          </a:solidFill>
-          <a:ln w="12700">
-            <a:solidFill>
-              <a:schemeClr val="tx1"/>
-            </a:solidFill>
-          </a:ln>
-        </p:spPr>
-        <p:style>
-          <a:lnRef idx="2">
-            <a:schemeClr val="accent5"/>
-          </a:lnRef>
-          <a:fillRef idx="1">
-            <a:schemeClr val="lt1"/>
-          </a:fillRef>
-          <a:effectRef idx="0">
-            <a:schemeClr val="accent5"/>
-          </a:effectRef>
-          <a:fontRef idx="minor">
-            <a:schemeClr val="dk1"/>
-          </a:fontRef>
-        </p:style>
-        <p:txBody>
-          <a:bodyPr wrap="square">
-            <a:spAutoFit/>
-          </a:bodyPr>
-          <a:lstStyle/>
-          <a:p>
-            <a:pPr>
-              <a:defRPr/>
-            </a:pPr>
-            <a:r>
-              <a:rPr lang="en-US" smtClean="0">
-                <a:solidFill>
-                  <a:srgbClr val="000000"/>
-                </a:solidFill>
-                <a:cs typeface="Arial" charset="0"/>
-              </a:rPr>
-              <a:t>Unit16_CommandLineArgs.c</a:t>
-            </a:r>
-            <a:endParaRPr lang="en-SG" dirty="0">
-              <a:solidFill>
-                <a:srgbClr val="000000"/>
-              </a:solidFill>
-              <a:cs typeface="Arial" charset="0"/>
-            </a:endParaRPr>
-          </a:p>
-        </p:txBody>
-      </p:sp>
-      <p:sp>
-        <p:nvSpPr>
-          <p:cNvPr id="2" name="Date Placeholder 1"/>
-          <p:cNvSpPr>
-            <a:spLocks noGrp="1"/>
-          </p:cNvSpPr>
-          <p:nvPr>
-            <p:ph type="dt" sz="half" idx="10"/>
-          </p:nvPr>
-        </p:nvSpPr>
-        <p:spPr/>
-        <p:txBody>
-          <a:bodyPr/>
-          <a:lstStyle/>
-          <a:p>
-            <a:pPr>
-              <a:defRPr/>
-            </a:pPr>
-            <a:r>
-              <a:rPr lang="en-US" smtClean="0"/>
-              <a:t>© IT - TDT</a:t>
-            </a:r>
-            <a:endParaRPr lang="en-US" dirty="0" smtClean="0"/>
-          </a:p>
-        </p:txBody>
-      </p:sp>
-    </p:spTree>
-    <p:extLst>
-      <p:ext uri="{BB962C8B-B14F-4D97-AF65-F5344CB8AC3E}">
-        <p14:creationId xmlns:p14="http://schemas.microsoft.com/office/powerpoint/2010/main" val="4033589572"/>
-      </p:ext>
-    </p:extLst>
-  </p:cSld>
-  <p:clrMapOvr>
-    <a:masterClrMapping/>
-  </p:clrMapOvr>
-  <p:transition>
-    <p:fade/>
-  </p:transition>
-  <p:timing>
-    <p:tnLst>
-      <p:par>
-        <p:cTn id="1" dur="indefinite" restart="never" nodeType="tmRoot">
-          <p:childTnLst>
-            <p:seq concurrent="1" nextAc="seek">
-              <p:cTn id="2" dur="indefinite" nodeType="mainSeq">
-                <p:childTnLst>
-                  <p:par>
-                    <p:cTn id="3" fill="hold">
-                      <p:stCondLst>
-                        <p:cond delay="indefinite"/>
-                      </p:stCondLst>
-                      <p:childTnLst>
-                        <p:par>
-                          <p:cTn id="4" fill="hold">
-                            <p:stCondLst>
-                              <p:cond delay="0"/>
-                            </p:stCondLst>
-                            <p:childTnLst>
-                              <p:par>
-                                <p:cTn id="5" presetID="9" presetClass="entr" presetSubtype="0" fill="hold" grpId="0" nodeType="clickEffect">
-                                  <p:stCondLst>
-                                    <p:cond delay="0"/>
-                                  </p:stCondLst>
-                                  <p:childTnLst>
-                                    <p:set>
-                                      <p:cBhvr>
-                                        <p:cTn id="6" dur="1" fill="hold">
-                                          <p:stCondLst>
-                                            <p:cond delay="0"/>
-                                          </p:stCondLst>
-                                        </p:cTn>
-                                        <p:tgtEl>
-                                          <p:spTgt spid="9"/>
-                                        </p:tgtEl>
-                                        <p:attrNameLst>
-                                          <p:attrName>style.visibility</p:attrName>
-                                        </p:attrNameLst>
-                                      </p:cBhvr>
-                                      <p:to>
-                                        <p:strVal val="visible"/>
-                                      </p:to>
-                                    </p:set>
-                                    <p:animEffect transition="in" filter="dissolve">
-                                      <p:cBhvr>
-                                        <p:cTn id="7" dur="500"/>
-                                        <p:tgtEl>
-                                          <p:spTgt spid="9"/>
-                                        </p:tgtEl>
-                                      </p:cBhvr>
-                                    </p:animEffect>
-                                  </p:childTnLst>
-                                </p:cTn>
-                              </p:par>
-                            </p:childTnLst>
-                          </p:cTn>
-                        </p:par>
-                      </p:childTnLst>
-                    </p:cTn>
-                  </p:par>
-                </p:childTnLst>
-              </p:cTn>
-              <p:prevCondLst>
-                <p:cond evt="onPrev" delay="0">
-                  <p:tgtEl>
-                    <p:sldTgt/>
-                  </p:tgtEl>
-                </p:cond>
-              </p:prevCondLst>
-              <p:nextCondLst>
-                <p:cond evt="onNext" delay="0">
-                  <p:tgtEl>
-                    <p:sldTgt/>
-                  </p:tgtEl>
-                </p:cond>
-              </p:nextCondLst>
-            </p:seq>
-          </p:childTnLst>
-        </p:cTn>
-      </p:par>
-    </p:tnLst>
-    <p:bldLst>
-      <p:bldP spid="9" grpId="0" animBg="1"/>
-    </p:bldLst>
-  </p:timing>
-</p:sld>
-</file>
-
-<file path=ppt/slides/slide11.xml><?xml version="1.0" encoding="utf-8"?>
-<p:sld xmlns:a="http://schemas.openxmlformats.org/drawingml/2006/main" xmlns:r="http://schemas.openxmlformats.org/officeDocument/2006/relationships" xmlns:p="http://schemas.openxmlformats.org/presentationml/2006/main">
-  <p:cSld>
-    <p:spTree>
-      <p:nvGrpSpPr>
-        <p:cNvPr id="1" name=""/>
-        <p:cNvGrpSpPr/>
-        <p:nvPr/>
-      </p:nvGrpSpPr>
-      <p:grpSpPr>
-        <a:xfrm>
-          <a:off x="0" y="0"/>
-          <a:ext cx="0" cy="0"/>
-          <a:chOff x="0" y="0"/>
-          <a:chExt cx="0" cy="0"/>
-        </a:xfrm>
-      </p:grpSpPr>
-      <p:sp>
-        <p:nvSpPr>
-          <p:cNvPr id="61442" name="Rectangle 2"/>
-          <p:cNvSpPr>
-            <a:spLocks noGrp="1" noChangeArrowheads="1"/>
-          </p:cNvSpPr>
-          <p:nvPr>
-            <p:ph type="title"/>
-          </p:nvPr>
-        </p:nvSpPr>
-        <p:spPr>
-          <a:xfrm>
-            <a:off x="1173163" y="2824163"/>
-            <a:ext cx="6751637" cy="1143000"/>
-          </a:xfrm>
-        </p:spPr>
-        <p:txBody>
-          <a:bodyPr/>
-          <a:lstStyle/>
-          <a:p>
-            <a:pPr algn="ctr" eaLnBrk="1" hangingPunct="1"/>
-            <a:r>
-              <a:rPr lang="en-GB" dirty="0" smtClean="0">
-                <a:solidFill>
-                  <a:srgbClr val="9933FF"/>
-                </a:solidFill>
-                <a:latin typeface="+mn-lt"/>
-              </a:rPr>
-              <a:t>End of File</a:t>
-            </a:r>
-          </a:p>
-        </p:txBody>
-      </p:sp>
-      <p:sp>
-        <p:nvSpPr>
-          <p:cNvPr id="3" name="[Slide Number Placeholder 8]"/>
-          <p:cNvSpPr>
-            <a:spLocks noGrp="1"/>
-          </p:cNvSpPr>
-          <p:nvPr>
-            <p:ph type="ftr" sz="quarter" idx="11"/>
-          </p:nvPr>
-        </p:nvSpPr>
-        <p:spPr>
-          <a:xfrm>
-            <a:off x="3429000" y="18288"/>
-            <a:ext cx="4114800" cy="329184"/>
-          </a:xfrm>
-          <a:noFill/>
-        </p:spPr>
-        <p:txBody>
-          <a:bodyPr/>
-          <a:lstStyle/>
-          <a:p>
-            <a:pPr algn="l"/>
-            <a:r>
-              <a:rPr lang="en-US" smtClean="0"/>
-              <a:t>Programming Methodology</a:t>
-            </a:r>
-            <a:endParaRPr lang="en-US" dirty="0" smtClean="0"/>
-          </a:p>
-        </p:txBody>
-      </p:sp>
-      <p:sp>
-        <p:nvSpPr>
-          <p:cNvPr id="4" name="[Date Placeholder 3]"/>
-          <p:cNvSpPr>
-            <a:spLocks noGrp="1"/>
-          </p:cNvSpPr>
-          <p:nvPr>
-            <p:ph type="sldNum" sz="quarter" idx="12"/>
-          </p:nvPr>
-        </p:nvSpPr>
-        <p:spPr>
-          <a:xfrm>
-            <a:off x="7620000" y="18288"/>
-            <a:ext cx="1066800" cy="329184"/>
-          </a:xfrm>
-        </p:spPr>
-        <p:txBody>
-          <a:bodyPr>
-            <a:normAutofit/>
-          </a:bodyPr>
-          <a:lstStyle/>
-          <a:p>
-            <a:pPr>
-              <a:defRPr/>
-            </a:pPr>
-            <a:r>
-              <a:rPr lang="en-US" smtClean="0"/>
-              <a:t>Unit16 </a:t>
-            </a:r>
-            <a:r>
-              <a:rPr smtClean="0"/>
-              <a:t>- </a:t>
-            </a:r>
-            <a:fld id="{24D17162-63A3-49DC-92B1-933428BCC85F}" type="slidenum">
-              <a:rPr smtClean="0"/>
-              <a:pPr>
-                <a:defRPr/>
-              </a:pPr>
-              <a:t>11</a:t>
-            </a:fld>
-            <a:endParaRPr dirty="0"/>
-          </a:p>
-        </p:txBody>
-      </p:sp>
-      <p:sp>
-        <p:nvSpPr>
-          <p:cNvPr id="2" name="Date Placeholder 1"/>
-          <p:cNvSpPr>
-            <a:spLocks noGrp="1"/>
-          </p:cNvSpPr>
-          <p:nvPr>
-            <p:ph type="dt" sz="half" idx="10"/>
-          </p:nvPr>
-        </p:nvSpPr>
-        <p:spPr/>
-        <p:txBody>
-          <a:bodyPr/>
-          <a:lstStyle/>
-          <a:p>
-            <a:pPr>
-              <a:defRPr/>
-            </a:pPr>
-            <a:r>
-              <a:rPr lang="en-US" smtClean="0"/>
-              <a:t>© IT - TDT</a:t>
-            </a:r>
-            <a:endParaRPr lang="en-US" dirty="0" smtClean="0"/>
-          </a:p>
-        </p:txBody>
-      </p:sp>
-    </p:spTree>
-  </p:cSld>
-  <p:clrMapOvr>
-    <a:masterClrMapping/>
-  </p:clrMapOvr>
-  <p:transition>
-    <p:fade/>
-  </p:transition>
-  <p:timing>
-    <p:tnLst>
-      <p:par>
-        <p:cTn id="1" dur="indefinite" restart="never" nodeType="tmRoot"/>
-      </p:par>
-    </p:tnLst>
-  </p:timing>
-</p:sld>
-</file>
-
-<file path=ppt/slides/slide2.xml><?xml version="1.0" encoding="utf-8"?>
 <p:sld xmlns:a="http://schemas.openxmlformats.org/drawingml/2006/main" xmlns:r="http://schemas.openxmlformats.org/officeDocument/2006/relationships" xmlns:p="http://schemas.openxmlformats.org/presentationml/2006/main">
   <p:cSld>
     <p:spTree>
@@ -7197,7 +5367,7 @@
 </p:sld>
 </file>
 
-<file path=ppt/slides/slide3.xml><?xml version="1.0" encoding="utf-8"?>
+<file path=ppt/slides/slide2.xml><?xml version="1.0" encoding="utf-8"?>
 <p:sld xmlns:a="http://schemas.openxmlformats.org/drawingml/2006/main" xmlns:r="http://schemas.openxmlformats.org/officeDocument/2006/relationships" xmlns:p="http://schemas.openxmlformats.org/presentationml/2006/main">
   <p:cSld>
     <p:spTree>
@@ -7216,591 +5386,6 @@
       </p:grpSpPr>
       <p:sp>
         <p:nvSpPr>
-          <p:cNvPr id="2" name="Title 1"/>
-          <p:cNvSpPr>
-            <a:spLocks noGrp="1"/>
-          </p:cNvSpPr>
-          <p:nvPr>
-            <p:ph type="title"/>
-          </p:nvPr>
-        </p:nvSpPr>
-        <p:spPr/>
-        <p:txBody>
-          <a:bodyPr/>
-          <a:lstStyle/>
-          <a:p>
-            <a:r>
-              <a:rPr lang="en-US" dirty="0" smtClean="0"/>
-              <a:t>Acknowledgement</a:t>
-            </a:r>
-            <a:endParaRPr lang="en-US" dirty="0"/>
-          </a:p>
-        </p:txBody>
-      </p:sp>
-      <p:sp>
-        <p:nvSpPr>
-          <p:cNvPr id="3" name="Content Placeholder 2"/>
-          <p:cNvSpPr>
-            <a:spLocks noGrp="1"/>
-          </p:cNvSpPr>
-          <p:nvPr>
-            <p:ph idx="1"/>
-          </p:nvPr>
-        </p:nvSpPr>
-        <p:spPr/>
-        <p:txBody>
-          <a:bodyPr/>
-          <a:lstStyle/>
-          <a:p>
-            <a:pPr algn="just"/>
-            <a:r>
-              <a:rPr lang="en-US" dirty="0"/>
-              <a:t>The </a:t>
-            </a:r>
-            <a:r>
-              <a:rPr lang="en-US" dirty="0" smtClean="0"/>
-              <a:t>contents </a:t>
-            </a:r>
-            <a:r>
-              <a:rPr lang="en-US" dirty="0"/>
-              <a:t>of these slides have origin from </a:t>
-            </a:r>
-            <a:r>
-              <a:rPr lang="en-US" dirty="0" smtClean="0"/>
-              <a:t>School of Computing, </a:t>
-            </a:r>
-            <a:r>
-              <a:rPr lang="en-US" dirty="0"/>
-              <a:t>National University of </a:t>
-            </a:r>
-            <a:r>
-              <a:rPr lang="en-US" dirty="0" smtClean="0"/>
-              <a:t>Singapore.</a:t>
-            </a:r>
-          </a:p>
-          <a:p>
-            <a:pPr algn="just"/>
-            <a:r>
-              <a:rPr lang="en-US" dirty="0"/>
-              <a:t>We greatly appreciate support from Mr. Aaron </a:t>
-            </a:r>
-            <a:r>
-              <a:rPr lang="en-US" dirty="0" smtClean="0"/>
-              <a:t>Tan </a:t>
-            </a:r>
-            <a:r>
-              <a:rPr lang="en-US" smtClean="0"/>
-              <a:t>Tuck Choy for </a:t>
-            </a:r>
-            <a:r>
-              <a:rPr lang="en-US" dirty="0" smtClean="0"/>
-              <a:t>kindly sharing these materials.</a:t>
-            </a:r>
-            <a:endParaRPr lang="en-US" dirty="0"/>
-          </a:p>
-        </p:txBody>
-      </p:sp>
-      <p:sp>
-        <p:nvSpPr>
-          <p:cNvPr id="6" name="Footer Placeholder 5"/>
-          <p:cNvSpPr>
-            <a:spLocks noGrp="1"/>
-          </p:cNvSpPr>
-          <p:nvPr>
-            <p:ph type="ftr" sz="quarter" idx="11"/>
-          </p:nvPr>
-        </p:nvSpPr>
-        <p:spPr/>
-        <p:txBody>
-          <a:bodyPr/>
-          <a:lstStyle/>
-          <a:p>
-            <a:pPr algn="l">
-              <a:defRPr/>
-            </a:pPr>
-            <a:r>
-              <a:rPr lang="en-US" smtClean="0"/>
-              <a:t>Programming Methodology</a:t>
-            </a:r>
-            <a:endParaRPr lang="en-US" dirty="0"/>
-          </a:p>
-        </p:txBody>
-      </p:sp>
-      <p:sp>
-        <p:nvSpPr>
-          <p:cNvPr id="7" name="Slide Number Placeholder 6"/>
-          <p:cNvSpPr>
-            <a:spLocks noGrp="1"/>
-          </p:cNvSpPr>
-          <p:nvPr>
-            <p:ph type="sldNum" sz="quarter" idx="12"/>
-          </p:nvPr>
-        </p:nvSpPr>
-        <p:spPr/>
-        <p:txBody>
-          <a:bodyPr/>
-          <a:lstStyle/>
-          <a:p>
-            <a:pPr>
-              <a:defRPr/>
-            </a:pPr>
-            <a:r>
-              <a:rPr lang="en-US" smtClean="0"/>
-              <a:t>Unit1 - </a:t>
-            </a:r>
-            <a:fld id="{2E4790E1-2590-4AEE-892D-AB46A7688113}" type="slidenum">
-              <a:rPr lang="en-US" smtClean="0"/>
-              <a:pPr>
-                <a:defRPr/>
-              </a:pPr>
-              <a:t>3</a:t>
-            </a:fld>
-            <a:endParaRPr lang="en-US" dirty="0"/>
-          </a:p>
-        </p:txBody>
-      </p:sp>
-      <p:sp>
-        <p:nvSpPr>
-          <p:cNvPr id="4" name="Date Placeholder 3"/>
-          <p:cNvSpPr>
-            <a:spLocks noGrp="1"/>
-          </p:cNvSpPr>
-          <p:nvPr>
-            <p:ph type="dt" sz="half" idx="10"/>
-          </p:nvPr>
-        </p:nvSpPr>
-        <p:spPr/>
-        <p:txBody>
-          <a:bodyPr/>
-          <a:lstStyle/>
-          <a:p>
-            <a:pPr>
-              <a:defRPr/>
-            </a:pPr>
-            <a:r>
-              <a:rPr lang="en-US" smtClean="0"/>
-              <a:t>© IT - TDT</a:t>
-            </a:r>
-            <a:endParaRPr lang="en-US" dirty="0" smtClean="0"/>
-          </a:p>
-        </p:txBody>
-      </p:sp>
-    </p:spTree>
-    <p:extLst>
-      <p:ext uri="{BB962C8B-B14F-4D97-AF65-F5344CB8AC3E}">
-        <p14:creationId xmlns:p14="http://schemas.microsoft.com/office/powerpoint/2010/main" val="1180578677"/>
-      </p:ext>
-    </p:extLst>
-  </p:cSld>
-  <p:clrMapOvr>
-    <a:masterClrMapping/>
-  </p:clrMapOvr>
-  <p:transition>
-    <p:fade/>
-  </p:transition>
-  <p:timing>
-    <p:tnLst>
-      <p:par>
-        <p:cTn id="1" dur="indefinite" restart="never" nodeType="tmRoot"/>
-      </p:par>
-    </p:tnLst>
-  </p:timing>
-</p:sld>
-</file>
-
-<file path=ppt/slides/slide4.xml><?xml version="1.0" encoding="utf-8"?>
-<p:sld xmlns:a="http://schemas.openxmlformats.org/drawingml/2006/main" xmlns:r="http://schemas.openxmlformats.org/officeDocument/2006/relationships" xmlns:p="http://schemas.openxmlformats.org/presentationml/2006/main">
-  <p:cSld>
-    <p:spTree>
-      <p:nvGrpSpPr>
-        <p:cNvPr id="1" name=""/>
-        <p:cNvGrpSpPr/>
-        <p:nvPr/>
-      </p:nvGrpSpPr>
-      <p:grpSpPr>
-        <a:xfrm>
-          <a:off x="0" y="0"/>
-          <a:ext cx="0" cy="0"/>
-          <a:chOff x="0" y="0"/>
-          <a:chExt cx="0" cy="0"/>
-        </a:xfrm>
-      </p:grpSpPr>
-      <p:sp>
-        <p:nvSpPr>
-          <p:cNvPr id="2" name="Title 1"/>
-          <p:cNvSpPr>
-            <a:spLocks noGrp="1"/>
-          </p:cNvSpPr>
-          <p:nvPr>
-            <p:ph type="title"/>
-          </p:nvPr>
-        </p:nvSpPr>
-        <p:spPr/>
-        <p:txBody>
-          <a:bodyPr/>
-          <a:lstStyle/>
-          <a:p>
-            <a:r>
-              <a:rPr lang="en-US" dirty="0" smtClean="0"/>
-              <a:t>Policies for students</a:t>
-            </a:r>
-            <a:endParaRPr lang="en-US" dirty="0"/>
-          </a:p>
-        </p:txBody>
-      </p:sp>
-      <p:sp>
-        <p:nvSpPr>
-          <p:cNvPr id="3" name="Content Placeholder 2"/>
-          <p:cNvSpPr>
-            <a:spLocks noGrp="1"/>
-          </p:cNvSpPr>
-          <p:nvPr>
-            <p:ph idx="1"/>
-          </p:nvPr>
-        </p:nvSpPr>
-        <p:spPr/>
-        <p:txBody>
-          <a:bodyPr/>
-          <a:lstStyle/>
-          <a:p>
-            <a:pPr algn="just"/>
-            <a:r>
-              <a:rPr lang="en-US" dirty="0" smtClean="0"/>
-              <a:t>These contents are only used for students PERSONALLY.</a:t>
-            </a:r>
-          </a:p>
-          <a:p>
-            <a:pPr algn="just"/>
-            <a:r>
-              <a:rPr lang="en-US" dirty="0"/>
-              <a:t>Students are NOT allowed to </a:t>
-            </a:r>
-            <a:r>
-              <a:rPr lang="en-US" dirty="0" smtClean="0"/>
-              <a:t>modify or deliver these </a:t>
-            </a:r>
-            <a:r>
-              <a:rPr lang="en-US" dirty="0"/>
-              <a:t>contents to anywhere or </a:t>
-            </a:r>
-            <a:r>
-              <a:rPr lang="en-US" dirty="0" smtClean="0"/>
-              <a:t>anyone for any purpose.</a:t>
-            </a:r>
-            <a:endParaRPr lang="en-US" dirty="0"/>
-          </a:p>
-          <a:p>
-            <a:endParaRPr lang="en-US" dirty="0"/>
-          </a:p>
-        </p:txBody>
-      </p:sp>
-      <p:sp>
-        <p:nvSpPr>
-          <p:cNvPr id="6" name="Footer Placeholder 5"/>
-          <p:cNvSpPr>
-            <a:spLocks noGrp="1"/>
-          </p:cNvSpPr>
-          <p:nvPr>
-            <p:ph type="ftr" sz="quarter" idx="11"/>
-          </p:nvPr>
-        </p:nvSpPr>
-        <p:spPr/>
-        <p:txBody>
-          <a:bodyPr/>
-          <a:lstStyle/>
-          <a:p>
-            <a:pPr algn="l">
-              <a:defRPr/>
-            </a:pPr>
-            <a:r>
-              <a:rPr lang="en-US" smtClean="0"/>
-              <a:t>Programming Methodology</a:t>
-            </a:r>
-            <a:endParaRPr lang="en-US" dirty="0"/>
-          </a:p>
-        </p:txBody>
-      </p:sp>
-      <p:sp>
-        <p:nvSpPr>
-          <p:cNvPr id="7" name="Slide Number Placeholder 6"/>
-          <p:cNvSpPr>
-            <a:spLocks noGrp="1"/>
-          </p:cNvSpPr>
-          <p:nvPr>
-            <p:ph type="sldNum" sz="quarter" idx="12"/>
-          </p:nvPr>
-        </p:nvSpPr>
-        <p:spPr/>
-        <p:txBody>
-          <a:bodyPr/>
-          <a:lstStyle/>
-          <a:p>
-            <a:pPr>
-              <a:defRPr/>
-            </a:pPr>
-            <a:r>
-              <a:rPr lang="en-US" smtClean="0"/>
-              <a:t>Unit1 - </a:t>
-            </a:r>
-            <a:fld id="{2E4790E1-2590-4AEE-892D-AB46A7688113}" type="slidenum">
-              <a:rPr lang="en-US" smtClean="0"/>
-              <a:pPr>
-                <a:defRPr/>
-              </a:pPr>
-              <a:t>4</a:t>
-            </a:fld>
-            <a:endParaRPr lang="en-US" dirty="0"/>
-          </a:p>
-        </p:txBody>
-      </p:sp>
-      <p:sp>
-        <p:nvSpPr>
-          <p:cNvPr id="4" name="Date Placeholder 3"/>
-          <p:cNvSpPr>
-            <a:spLocks noGrp="1"/>
-          </p:cNvSpPr>
-          <p:nvPr>
-            <p:ph type="dt" sz="half" idx="10"/>
-          </p:nvPr>
-        </p:nvSpPr>
-        <p:spPr/>
-        <p:txBody>
-          <a:bodyPr/>
-          <a:lstStyle/>
-          <a:p>
-            <a:pPr>
-              <a:defRPr/>
-            </a:pPr>
-            <a:r>
-              <a:rPr lang="en-US" smtClean="0"/>
-              <a:t>© IT - TDT</a:t>
-            </a:r>
-            <a:endParaRPr lang="en-US" dirty="0" smtClean="0"/>
-          </a:p>
-        </p:txBody>
-      </p:sp>
-    </p:spTree>
-    <p:extLst>
-      <p:ext uri="{BB962C8B-B14F-4D97-AF65-F5344CB8AC3E}">
-        <p14:creationId xmlns:p14="http://schemas.microsoft.com/office/powerpoint/2010/main" val="3408993105"/>
-      </p:ext>
-    </p:extLst>
-  </p:cSld>
-  <p:clrMapOvr>
-    <a:masterClrMapping/>
-  </p:clrMapOvr>
-  <p:transition>
-    <p:fade/>
-  </p:transition>
-  <p:timing>
-    <p:tnLst>
-      <p:par>
-        <p:cTn id="1" dur="indefinite" restart="never" nodeType="tmRoot"/>
-      </p:par>
-    </p:tnLst>
-  </p:timing>
-</p:sld>
-</file>
-
-<file path=ppt/slides/slide5.xml><?xml version="1.0" encoding="utf-8"?>
-<p:sld xmlns:a="http://schemas.openxmlformats.org/drawingml/2006/main" xmlns:r="http://schemas.openxmlformats.org/officeDocument/2006/relationships" xmlns:p="http://schemas.openxmlformats.org/presentationml/2006/main">
-  <p:cSld>
-    <p:spTree>
-      <p:nvGrpSpPr>
-        <p:cNvPr id="1" name=""/>
-        <p:cNvGrpSpPr/>
-        <p:nvPr/>
-      </p:nvGrpSpPr>
-      <p:grpSpPr>
-        <a:xfrm>
-          <a:off x="0" y="0"/>
-          <a:ext cx="0" cy="0"/>
-          <a:chOff x="0" y="0"/>
-          <a:chExt cx="0" cy="0"/>
-        </a:xfrm>
-      </p:grpSpPr>
-      <p:sp>
-        <p:nvSpPr>
-          <p:cNvPr id="2" name="Title 1"/>
-          <p:cNvSpPr>
-            <a:spLocks noGrp="1"/>
-          </p:cNvSpPr>
-          <p:nvPr>
-            <p:ph type="title"/>
-          </p:nvPr>
-        </p:nvSpPr>
-        <p:spPr/>
-        <p:txBody>
-          <a:bodyPr/>
-          <a:lstStyle/>
-          <a:p>
-            <a:r>
-              <a:rPr lang="en-US" dirty="0" smtClean="0"/>
-              <a:t>Recording of modifications</a:t>
-            </a:r>
-            <a:endParaRPr lang="en-US" dirty="0"/>
-          </a:p>
-        </p:txBody>
-      </p:sp>
-      <p:sp>
-        <p:nvSpPr>
-          <p:cNvPr id="3" name="Content Placeholder 2"/>
-          <p:cNvSpPr>
-            <a:spLocks noGrp="1"/>
-          </p:cNvSpPr>
-          <p:nvPr>
-            <p:ph idx="1"/>
-          </p:nvPr>
-        </p:nvSpPr>
-        <p:spPr/>
-        <p:txBody>
-          <a:bodyPr/>
-          <a:lstStyle/>
-          <a:p>
-            <a:pPr algn="just"/>
-            <a:r>
-              <a:rPr lang="en-US" dirty="0" smtClean="0"/>
-              <a:t>Currently, there are no modification </a:t>
-            </a:r>
-            <a:r>
-              <a:rPr lang="en-US" smtClean="0"/>
-              <a:t>on these contents</a:t>
-            </a:r>
-            <a:r>
-              <a:rPr lang="en-US" dirty="0" smtClean="0"/>
-              <a:t>.</a:t>
-            </a:r>
-            <a:endParaRPr lang="en-US" dirty="0"/>
-          </a:p>
-        </p:txBody>
-      </p:sp>
-      <p:sp>
-        <p:nvSpPr>
-          <p:cNvPr id="6" name="Footer Placeholder 5"/>
-          <p:cNvSpPr>
-            <a:spLocks noGrp="1"/>
-          </p:cNvSpPr>
-          <p:nvPr>
-            <p:ph type="ftr" sz="quarter" idx="11"/>
-          </p:nvPr>
-        </p:nvSpPr>
-        <p:spPr/>
-        <p:txBody>
-          <a:bodyPr/>
-          <a:lstStyle/>
-          <a:p>
-            <a:pPr algn="l">
-              <a:defRPr/>
-            </a:pPr>
-            <a:r>
-              <a:rPr lang="en-US" smtClean="0"/>
-              <a:t>Programming Methodology</a:t>
-            </a:r>
-            <a:endParaRPr lang="en-US" dirty="0"/>
-          </a:p>
-        </p:txBody>
-      </p:sp>
-      <p:sp>
-        <p:nvSpPr>
-          <p:cNvPr id="7" name="Slide Number Placeholder 6"/>
-          <p:cNvSpPr>
-            <a:spLocks noGrp="1"/>
-          </p:cNvSpPr>
-          <p:nvPr>
-            <p:ph type="sldNum" sz="quarter" idx="12"/>
-          </p:nvPr>
-        </p:nvSpPr>
-        <p:spPr/>
-        <p:txBody>
-          <a:bodyPr/>
-          <a:lstStyle/>
-          <a:p>
-            <a:pPr>
-              <a:defRPr/>
-            </a:pPr>
-            <a:r>
-              <a:rPr lang="en-US" smtClean="0"/>
-              <a:t>Unit1 - </a:t>
-            </a:r>
-            <a:fld id="{2E4790E1-2590-4AEE-892D-AB46A7688113}" type="slidenum">
-              <a:rPr lang="en-US" smtClean="0"/>
-              <a:pPr>
-                <a:defRPr/>
-              </a:pPr>
-              <a:t>5</a:t>
-            </a:fld>
-            <a:endParaRPr lang="en-US" dirty="0"/>
-          </a:p>
-        </p:txBody>
-      </p:sp>
-      <p:sp>
-        <p:nvSpPr>
-          <p:cNvPr id="4" name="Date Placeholder 3"/>
-          <p:cNvSpPr>
-            <a:spLocks noGrp="1"/>
-          </p:cNvSpPr>
-          <p:nvPr>
-            <p:ph type="dt" sz="half" idx="10"/>
-          </p:nvPr>
-        </p:nvSpPr>
-        <p:spPr/>
-        <p:txBody>
-          <a:bodyPr/>
-          <a:lstStyle/>
-          <a:p>
-            <a:pPr>
-              <a:defRPr/>
-            </a:pPr>
-            <a:r>
-              <a:rPr lang="en-US" smtClean="0"/>
-              <a:t>© IT - TDT</a:t>
-            </a:r>
-            <a:endParaRPr lang="en-US" dirty="0" smtClean="0"/>
-          </a:p>
-        </p:txBody>
-      </p:sp>
-    </p:spTree>
-    <p:extLst>
-      <p:ext uri="{BB962C8B-B14F-4D97-AF65-F5344CB8AC3E}">
-        <p14:creationId xmlns:p14="http://schemas.microsoft.com/office/powerpoint/2010/main" val="3036480302"/>
-      </p:ext>
-    </p:extLst>
-  </p:cSld>
-  <p:clrMapOvr>
-    <a:masterClrMapping/>
-  </p:clrMapOvr>
-  <p:transition>
-    <p:fade/>
-  </p:transition>
-  <p:timing>
-    <p:tnLst>
-      <p:par>
-        <p:cTn id="1" dur="indefinite" restart="never" nodeType="tmRoot"/>
-      </p:par>
-    </p:tnLst>
-  </p:timing>
-</p:sld>
-</file>
-
-<file path=ppt/slides/slide6.xml><?xml version="1.0" encoding="utf-8"?>
-<p:sld xmlns:a="http://schemas.openxmlformats.org/drawingml/2006/main" xmlns:r="http://schemas.openxmlformats.org/officeDocument/2006/relationships" xmlns:p="http://schemas.openxmlformats.org/presentationml/2006/main">
-  <p:cSld name="PPTLabsHighlightBulletsSlide201407010954148589">
-    <p:spTree>
-      <p:nvGrpSpPr>
-        <p:cNvPr id="1" name=""/>
-        <p:cNvGrpSpPr/>
-        <p:nvPr/>
-      </p:nvGrpSpPr>
-      <p:grpSpPr>
-        <a:xfrm>
-          <a:off x="0" y="0"/>
-          <a:ext cx="0" cy="0"/>
-          <a:chOff x="0" y="0"/>
-          <a:chExt cx="0" cy="0"/>
-        </a:xfrm>
-      </p:grpSpPr>
-      <p:sp>
-        <p:nvSpPr>
           <p:cNvPr id="14338" name="Rectangle 2"/>
           <p:cNvSpPr>
             <a:spLocks noGrp="1" noChangeArrowheads="1"/>
@@ -7828,7 +5413,7 @@
                   <a:srgbClr val="0000FF"/>
                 </a:solidFill>
               </a:rPr>
-              <a:t>Unit 16: Extra</a:t>
+              <a:t>1. Array of Pointers to Strings (1/2)</a:t>
             </a:r>
             <a:endParaRPr lang="en-GB" sz="3600" dirty="0" smtClean="0">
               <a:solidFill>
@@ -7901,297 +5486,7 @@
               <a:pPr>
                 <a:defRPr/>
               </a:pPr>
-              <a:t>6</a:t>
-            </a:fld>
-            <a:endParaRPr sz="1200" dirty="0"/>
-          </a:p>
-        </p:txBody>
-      </p:sp>
-      <p:sp>
-        <p:nvSpPr>
-          <p:cNvPr id="8" name="Content Placeholder 5"/>
-          <p:cNvSpPr>
-            <a:spLocks noGrp="1"/>
-          </p:cNvSpPr>
-          <p:nvPr>
-            <p:ph idx="1"/>
-          </p:nvPr>
-        </p:nvSpPr>
-        <p:spPr>
-          <a:xfrm>
-            <a:off x="587375" y="1345721"/>
-            <a:ext cx="8229600" cy="5043356"/>
-          </a:xfrm>
-        </p:spPr>
-        <p:txBody>
-          <a:bodyPr/>
-          <a:lstStyle/>
-          <a:p>
-            <a:pPr marL="347663" indent="-347663" eaLnBrk="1" hangingPunct="1">
-              <a:spcBef>
-                <a:spcPts val="1200"/>
-              </a:spcBef>
-              <a:buClr>
-                <a:schemeClr val="tx1">
-                  <a:lumMod val="90000"/>
-                  <a:lumOff val="10000"/>
-                </a:schemeClr>
-              </a:buClr>
-              <a:buSzPct val="100000"/>
-              <a:buFont typeface="Wingdings" panose="05000000000000000000" pitchFamily="2" charset="2"/>
-              <a:buChar char="§"/>
-              <a:defRPr/>
-            </a:pPr>
-            <a:r>
-              <a:rPr lang="en-US" sz="2800" smtClean="0"/>
-              <a:t>The following 2 topics here are meant for your own reading</a:t>
-            </a:r>
-          </a:p>
-          <a:p>
-            <a:pPr marL="347663" indent="-347663" eaLnBrk="1" hangingPunct="1">
-              <a:spcBef>
-                <a:spcPts val="1200"/>
-              </a:spcBef>
-              <a:buClr>
-                <a:schemeClr val="tx1">
-                  <a:lumMod val="90000"/>
-                  <a:lumOff val="10000"/>
-                </a:schemeClr>
-              </a:buClr>
-              <a:buSzPct val="100000"/>
-              <a:buFont typeface="Wingdings" panose="05000000000000000000" pitchFamily="2" charset="2"/>
-              <a:buChar char="§"/>
-              <a:defRPr/>
-            </a:pPr>
-            <a:r>
-              <a:rPr lang="en-US" sz="2800" smtClean="0"/>
-              <a:t>They are not in the syllabus this semester</a:t>
-            </a:r>
-          </a:p>
-          <a:p>
-            <a:pPr marL="690563" lvl="1" indent="-295275" eaLnBrk="1" hangingPunct="1">
-              <a:spcBef>
-                <a:spcPts val="600"/>
-              </a:spcBef>
-              <a:buClr>
-                <a:schemeClr val="bg1">
-                  <a:lumMod val="65000"/>
-                </a:schemeClr>
-              </a:buClr>
-              <a:buSzPct val="100000"/>
-              <a:buFont typeface="Wingdings" panose="05000000000000000000" pitchFamily="2" charset="2"/>
-              <a:buChar char="§"/>
-              <a:defRPr/>
-            </a:pPr>
-            <a:r>
-              <a:rPr lang="en-US" sz="2400" smtClean="0">
-                <a:solidFill>
-                  <a:srgbClr val="C00000"/>
-                </a:solidFill>
-              </a:rPr>
-              <a:t>Array of Pointers to Strings</a:t>
-            </a:r>
-          </a:p>
-          <a:p>
-            <a:pPr marL="690563" lvl="1" indent="-295275" eaLnBrk="1" hangingPunct="1">
-              <a:spcBef>
-                <a:spcPts val="600"/>
-              </a:spcBef>
-              <a:buClr>
-                <a:schemeClr val="bg1">
-                  <a:lumMod val="65000"/>
-                </a:schemeClr>
-              </a:buClr>
-              <a:buSzPct val="100000"/>
-              <a:buFont typeface="Wingdings" panose="05000000000000000000" pitchFamily="2" charset="2"/>
-              <a:buChar char="§"/>
-              <a:defRPr/>
-            </a:pPr>
-            <a:r>
-              <a:rPr lang="en-US" sz="2400" smtClean="0">
-                <a:solidFill>
-                  <a:srgbClr val="C00000"/>
-                </a:solidFill>
-              </a:rPr>
-              <a:t>Command-line arguments</a:t>
-            </a:r>
-            <a:endParaRPr lang="en-US" sz="2400" dirty="0" smtClean="0">
-              <a:solidFill>
-                <a:srgbClr val="C00000"/>
-              </a:solidFill>
-            </a:endParaRPr>
-          </a:p>
-        </p:txBody>
-      </p:sp>
-      <p:sp>
-        <p:nvSpPr>
-          <p:cNvPr id="2" name="Date Placeholder 1"/>
-          <p:cNvSpPr>
-            <a:spLocks noGrp="1"/>
-          </p:cNvSpPr>
-          <p:nvPr>
-            <p:ph type="dt" sz="half" idx="10"/>
-          </p:nvPr>
-        </p:nvSpPr>
-        <p:spPr/>
-        <p:txBody>
-          <a:bodyPr/>
-          <a:lstStyle/>
-          <a:p>
-            <a:pPr>
-              <a:defRPr/>
-            </a:pPr>
-            <a:r>
-              <a:rPr lang="en-US" smtClean="0"/>
-              <a:t>© IT - TDT</a:t>
-            </a:r>
-            <a:endParaRPr lang="en-US" dirty="0" smtClean="0"/>
-          </a:p>
-        </p:txBody>
-      </p:sp>
-    </p:spTree>
-    <p:extLst>
-      <p:ext uri="{BB962C8B-B14F-4D97-AF65-F5344CB8AC3E}">
-        <p14:creationId xmlns:p14="http://schemas.microsoft.com/office/powerpoint/2010/main" val="2438607696"/>
-      </p:ext>
-    </p:extLst>
-  </p:cSld>
-  <p:clrMapOvr>
-    <a:masterClrMapping/>
-  </p:clrMapOvr>
-  <p:transition>
-    <p:fade/>
-  </p:transition>
-  <p:timing>
-    <p:tnLst>
-      <p:par>
-        <p:cTn id="1" dur="indefinite" restart="never" nodeType="tmRoot"/>
-      </p:par>
-    </p:tnLst>
-  </p:timing>
-</p:sld>
-</file>
-
-<file path=ppt/slides/slide7.xml><?xml version="1.0" encoding="utf-8"?>
-<p:sld xmlns:a="http://schemas.openxmlformats.org/drawingml/2006/main" xmlns:r="http://schemas.openxmlformats.org/officeDocument/2006/relationships" xmlns:p="http://schemas.openxmlformats.org/presentationml/2006/main">
-  <p:cSld>
-    <p:spTree>
-      <p:nvGrpSpPr>
-        <p:cNvPr id="1" name=""/>
-        <p:cNvGrpSpPr/>
-        <p:nvPr/>
-      </p:nvGrpSpPr>
-      <p:grpSpPr>
-        <a:xfrm>
-          <a:off x="0" y="0"/>
-          <a:ext cx="0" cy="0"/>
-          <a:chOff x="0" y="0"/>
-          <a:chExt cx="0" cy="0"/>
-        </a:xfrm>
-      </p:grpSpPr>
-      <p:sp>
-        <p:nvSpPr>
-          <p:cNvPr id="14338" name="Rectangle 2"/>
-          <p:cNvSpPr>
-            <a:spLocks noGrp="1" noChangeArrowheads="1"/>
-          </p:cNvSpPr>
-          <p:nvPr>
-            <p:ph type="title"/>
-          </p:nvPr>
-        </p:nvSpPr>
-        <p:spPr>
-          <a:xfrm>
-            <a:off x="533400" y="381000"/>
-            <a:ext cx="8382000" cy="838200"/>
-          </a:xfrm>
-        </p:spPr>
-        <p:txBody>
-          <a:bodyPr>
-            <a:normAutofit/>
-          </a:bodyPr>
-          <a:lstStyle/>
-          <a:p>
-            <a:pPr eaLnBrk="1" hangingPunct="1"/>
-            <a:r>
-              <a:rPr lang="en-GB" sz="3600" smtClean="0">
-                <a:solidFill>
-                  <a:srgbClr val="0000FF"/>
-                </a:solidFill>
-              </a:rPr>
-              <a:t>1. Array of Pointers to Strings (1/2)</a:t>
-            </a:r>
-            <a:endParaRPr lang="en-GB" sz="3600" dirty="0" smtClean="0">
-              <a:solidFill>
-                <a:srgbClr val="0000FF"/>
-              </a:solidFill>
-            </a:endParaRPr>
-          </a:p>
-        </p:txBody>
-      </p:sp>
-      <p:sp>
-        <p:nvSpPr>
-          <p:cNvPr id="14340" name="Footer Placeholder 5"/>
-          <p:cNvSpPr>
-            <a:spLocks noGrp="1"/>
-          </p:cNvSpPr>
-          <p:nvPr>
-            <p:ph type="ftr" sz="quarter" idx="11"/>
-          </p:nvPr>
-        </p:nvSpPr>
-        <p:spPr>
-          <a:noFill/>
-        </p:spPr>
-        <p:txBody>
-          <a:bodyPr/>
-          <a:lstStyle/>
-          <a:p>
-            <a:pPr algn="l"/>
-            <a:r>
-              <a:rPr lang="en-US" smtClean="0"/>
-              <a:t>Programming Methodology</a:t>
-            </a:r>
-            <a:endParaRPr lang="en-US" dirty="0" smtClean="0"/>
-          </a:p>
-        </p:txBody>
-      </p:sp>
-      <p:sp>
-        <p:nvSpPr>
-          <p:cNvPr id="7" name="Slide Number Placeholder 6"/>
-          <p:cNvSpPr>
-            <a:spLocks noGrp="1"/>
-          </p:cNvSpPr>
-          <p:nvPr>
-            <p:ph type="sldNum" sz="quarter" idx="12"/>
-          </p:nvPr>
-        </p:nvSpPr>
-        <p:spPr/>
-        <p:txBody>
-          <a:bodyPr>
-            <a:normAutofit/>
-          </a:bodyPr>
-          <a:lstStyle/>
-          <a:p>
-            <a:pPr>
-              <a:defRPr/>
-            </a:pPr>
-            <a:r>
-              <a:rPr lang="en-US" sz="1200" smtClean="0"/>
-              <a:t>Unit16</a:t>
-            </a:r>
-            <a:r>
-              <a:rPr sz="1200" smtClean="0"/>
-              <a:t> </a:t>
-            </a:r>
-            <a:r>
-              <a:rPr sz="1200" dirty="0" smtClean="0"/>
-              <a:t>- </a:t>
-            </a:r>
-            <a:fld id="{F7EC234A-9094-4BB8-9EA4-75ECDA8A365B}" type="slidenum">
-              <a:rPr sz="1200" smtClean="0"/>
-              <a:pPr>
-                <a:defRPr/>
-              </a:pPr>
-              <a:t>7</a:t>
+              <a:t>2</a:t>
             </a:fld>
             <a:endParaRPr sz="1200" dirty="0"/>
           </a:p>
@@ -8852,7 +6147,7 @@
 </p:sld>
 </file>
 
-<file path=ppt/slides/slide8.xml><?xml version="1.0" encoding="utf-8"?>
+<file path=ppt/slides/slide3.xml><?xml version="1.0" encoding="utf-8"?>
 <p:sld xmlns:a="http://schemas.openxmlformats.org/drawingml/2006/main" xmlns:r="http://schemas.openxmlformats.org/officeDocument/2006/relationships" xmlns:p="http://schemas.openxmlformats.org/presentationml/2006/main">
   <p:cSld>
     <p:spTree>
@@ -8971,7 +6266,7 @@
               <a:pPr>
                 <a:defRPr/>
               </a:pPr>
-              <a:t>8</a:t>
+              <a:t>3</a:t>
             </a:fld>
             <a:endParaRPr sz="1200" dirty="0"/>
           </a:p>
@@ -9470,7 +6765,7 @@
 </p:sld>
 </file>
 
-<file path=ppt/slides/slide9.xml><?xml version="1.0" encoding="utf-8"?>
+<file path=ppt/slides/slide4.xml><?xml version="1.0" encoding="utf-8"?>
 <p:sld xmlns:a="http://schemas.openxmlformats.org/drawingml/2006/main" xmlns:r="http://schemas.openxmlformats.org/officeDocument/2006/relationships" xmlns:p="http://schemas.openxmlformats.org/presentationml/2006/main">
   <p:cSld>
     <p:spTree>
@@ -9585,7 +6880,7 @@
               <a:pPr>
                 <a:defRPr/>
               </a:pPr>
-              <a:t>9</a:t>
+              <a:t>4</a:t>
             </a:fld>
             <a:endParaRPr sz="1200" dirty="0"/>
           </a:p>
@@ -10069,6 +7364,1004 @@
         <p:cTn id="1" dur="indefinite" restart="never" nodeType="tmRoot"/>
       </p:par>
     </p:tnLst>
+  </p:timing>
+</p:sld>
+</file>
+
+<file path=ppt/slides/slide5.xml><?xml version="1.0" encoding="utf-8"?>
+<p:sld xmlns:a="http://schemas.openxmlformats.org/drawingml/2006/main" xmlns:r="http://schemas.openxmlformats.org/officeDocument/2006/relationships" xmlns:p="http://schemas.openxmlformats.org/presentationml/2006/main">
+  <p:cSld>
+    <p:spTree>
+      <p:nvGrpSpPr>
+        <p:cNvPr id="1" name=""/>
+        <p:cNvGrpSpPr/>
+        <p:nvPr/>
+      </p:nvGrpSpPr>
+      <p:grpSpPr>
+        <a:xfrm>
+          <a:off x="0" y="0"/>
+          <a:ext cx="0" cy="0"/>
+          <a:chOff x="0" y="0"/>
+          <a:chExt cx="0" cy="0"/>
+        </a:xfrm>
+      </p:grpSpPr>
+      <p:sp>
+        <p:nvSpPr>
+          <p:cNvPr id="14338" name="Rectangle 2"/>
+          <p:cNvSpPr>
+            <a:spLocks noGrp="1" noChangeArrowheads="1"/>
+          </p:cNvSpPr>
+          <p:nvPr>
+            <p:ph type="title"/>
+          </p:nvPr>
+        </p:nvSpPr>
+        <p:spPr>
+          <a:xfrm>
+            <a:off x="533400" y="381000"/>
+            <a:ext cx="8382000" cy="838200"/>
+          </a:xfrm>
+        </p:spPr>
+        <p:txBody>
+          <a:bodyPr>
+            <a:normAutofit/>
+          </a:bodyPr>
+          <a:lstStyle/>
+          <a:p>
+            <a:pPr eaLnBrk="1" hangingPunct="1"/>
+            <a:r>
+              <a:rPr lang="en-GB" sz="3600" smtClean="0">
+                <a:solidFill>
+                  <a:srgbClr val="0000FF"/>
+                </a:solidFill>
+              </a:rPr>
+              <a:t>2. Command-line Arguments (2/2)</a:t>
+            </a:r>
+            <a:endParaRPr lang="en-GB" sz="3600" dirty="0" smtClean="0">
+              <a:solidFill>
+                <a:srgbClr val="0000FF"/>
+              </a:solidFill>
+            </a:endParaRPr>
+          </a:p>
+        </p:txBody>
+      </p:sp>
+      <p:sp>
+        <p:nvSpPr>
+          <p:cNvPr id="14340" name="Footer Placeholder 5"/>
+          <p:cNvSpPr>
+            <a:spLocks noGrp="1"/>
+          </p:cNvSpPr>
+          <p:nvPr>
+            <p:ph type="ftr" sz="quarter" idx="11"/>
+          </p:nvPr>
+        </p:nvSpPr>
+        <p:spPr>
+          <a:noFill/>
+        </p:spPr>
+        <p:txBody>
+          <a:bodyPr/>
+          <a:lstStyle/>
+          <a:p>
+            <a:pPr algn="l"/>
+            <a:r>
+              <a:rPr lang="en-US" smtClean="0"/>
+              <a:t>Programming Methodology</a:t>
+            </a:r>
+            <a:endParaRPr lang="en-US" dirty="0" smtClean="0"/>
+          </a:p>
+        </p:txBody>
+      </p:sp>
+      <p:sp>
+        <p:nvSpPr>
+          <p:cNvPr id="7" name="Slide Number Placeholder 6"/>
+          <p:cNvSpPr>
+            <a:spLocks noGrp="1"/>
+          </p:cNvSpPr>
+          <p:nvPr>
+            <p:ph type="sldNum" sz="quarter" idx="12"/>
+          </p:nvPr>
+        </p:nvSpPr>
+        <p:spPr/>
+        <p:txBody>
+          <a:bodyPr>
+            <a:normAutofit/>
+          </a:bodyPr>
+          <a:lstStyle/>
+          <a:p>
+            <a:pPr>
+              <a:defRPr/>
+            </a:pPr>
+            <a:r>
+              <a:rPr lang="en-US" sz="1200" smtClean="0"/>
+              <a:t>Unit16 </a:t>
+            </a:r>
+            <a:r>
+              <a:rPr sz="1200" smtClean="0"/>
+              <a:t>- </a:t>
+            </a:r>
+            <a:fld id="{F7EC234A-9094-4BB8-9EA4-75ECDA8A365B}" type="slidenum">
+              <a:rPr sz="1200" smtClean="0"/>
+              <a:pPr>
+                <a:defRPr/>
+              </a:pPr>
+              <a:t>5</a:t>
+            </a:fld>
+            <a:endParaRPr sz="1200" dirty="0"/>
+          </a:p>
+        </p:txBody>
+      </p:sp>
+      <p:sp>
+        <p:nvSpPr>
+          <p:cNvPr id="8" name="Rectangle 8"/>
+          <p:cNvSpPr>
+            <a:spLocks noChangeArrowheads="1"/>
+          </p:cNvSpPr>
+          <p:nvPr/>
+        </p:nvSpPr>
+        <p:spPr bwMode="auto">
+          <a:xfrm>
+            <a:off x="639763" y="1308100"/>
+            <a:ext cx="8105775" cy="3263900"/>
+          </a:xfrm>
+          <a:prstGeom prst="rect">
+            <a:avLst/>
+          </a:prstGeom>
+          <a:noFill/>
+          <a:ln w="9525">
+            <a:solidFill>
+              <a:schemeClr val="tx1"/>
+            </a:solidFill>
+            <a:miter lim="800000"/>
+            <a:headEnd/>
+            <a:tailEnd/>
+          </a:ln>
+        </p:spPr>
+        <p:txBody>
+          <a:bodyPr/>
+          <a:lstStyle/>
+          <a:p>
+            <a:pPr eaLnBrk="0" hangingPunct="0">
+              <a:tabLst>
+                <a:tab pos="341313" algn="l"/>
+                <a:tab pos="682625" algn="l"/>
+                <a:tab pos="1023938" algn="l"/>
+              </a:tabLst>
+            </a:pPr>
+            <a:r>
+              <a:rPr lang="en-US" sz="1600" b="1" dirty="0">
+                <a:latin typeface="Courier New" pitchFamily="49" charset="0"/>
+              </a:rPr>
+              <a:t>#include &lt;</a:t>
+            </a:r>
+            <a:r>
+              <a:rPr lang="en-US" sz="1600" b="1" dirty="0" err="1">
+                <a:latin typeface="Courier New" pitchFamily="49" charset="0"/>
+              </a:rPr>
+              <a:t>stdio.h</a:t>
+            </a:r>
+            <a:r>
+              <a:rPr lang="en-US" sz="1600" b="1" dirty="0">
+                <a:latin typeface="Courier New" pitchFamily="49" charset="0"/>
+              </a:rPr>
+              <a:t>&gt;</a:t>
+            </a:r>
+          </a:p>
+          <a:p>
+            <a:pPr eaLnBrk="0" hangingPunct="0">
+              <a:tabLst>
+                <a:tab pos="341313" algn="l"/>
+                <a:tab pos="682625" algn="l"/>
+                <a:tab pos="1023938" algn="l"/>
+              </a:tabLst>
+            </a:pPr>
+            <a:r>
+              <a:rPr lang="en-US" sz="1600" b="1" dirty="0" err="1">
+                <a:latin typeface="Courier New" pitchFamily="49" charset="0"/>
+              </a:rPr>
+              <a:t>int</a:t>
+            </a:r>
+            <a:r>
+              <a:rPr lang="en-US" sz="1600" b="1" dirty="0">
+                <a:latin typeface="Courier New" pitchFamily="49" charset="0"/>
+              </a:rPr>
+              <a:t> main(</a:t>
+            </a:r>
+            <a:r>
+              <a:rPr lang="en-US" sz="1600" b="1" dirty="0" err="1">
+                <a:solidFill>
+                  <a:srgbClr val="C00000"/>
+                </a:solidFill>
+                <a:latin typeface="Courier New" pitchFamily="49" charset="0"/>
+              </a:rPr>
+              <a:t>int</a:t>
+            </a:r>
+            <a:r>
+              <a:rPr lang="en-US" sz="1600" b="1" dirty="0">
+                <a:solidFill>
+                  <a:srgbClr val="C00000"/>
+                </a:solidFill>
+                <a:latin typeface="Courier New" pitchFamily="49" charset="0"/>
+              </a:rPr>
+              <a:t> </a:t>
+            </a:r>
+            <a:r>
+              <a:rPr lang="en-US" sz="1600" b="1" dirty="0" err="1">
+                <a:solidFill>
+                  <a:srgbClr val="C00000"/>
+                </a:solidFill>
+                <a:latin typeface="Courier New" pitchFamily="49" charset="0"/>
+              </a:rPr>
+              <a:t>argc</a:t>
+            </a:r>
+            <a:r>
+              <a:rPr lang="en-US" sz="1600" b="1" dirty="0">
+                <a:latin typeface="Courier New" pitchFamily="49" charset="0"/>
+              </a:rPr>
+              <a:t>, </a:t>
+            </a:r>
+            <a:r>
+              <a:rPr lang="en-US" sz="1600" b="1" dirty="0">
+                <a:solidFill>
+                  <a:srgbClr val="C00000"/>
+                </a:solidFill>
+                <a:latin typeface="Courier New" pitchFamily="49" charset="0"/>
+              </a:rPr>
+              <a:t>char *</a:t>
+            </a:r>
+            <a:r>
+              <a:rPr lang="en-US" sz="1600" b="1" dirty="0" err="1">
+                <a:solidFill>
+                  <a:srgbClr val="C00000"/>
+                </a:solidFill>
+                <a:latin typeface="Courier New" pitchFamily="49" charset="0"/>
+              </a:rPr>
+              <a:t>argv</a:t>
+            </a:r>
+            <a:r>
+              <a:rPr lang="en-US" sz="1600" b="1" dirty="0" smtClean="0">
+                <a:solidFill>
+                  <a:srgbClr val="C00000"/>
+                </a:solidFill>
+                <a:latin typeface="Courier New" pitchFamily="49" charset="0"/>
+              </a:rPr>
+              <a:t>[]</a:t>
+            </a:r>
+            <a:r>
+              <a:rPr lang="en-US" sz="1600" b="1" dirty="0" smtClean="0">
+                <a:latin typeface="Courier New" pitchFamily="49" charset="0"/>
+              </a:rPr>
+              <a:t>) {  </a:t>
+            </a:r>
+            <a:endParaRPr lang="en-US" sz="1600" b="1" dirty="0">
+              <a:latin typeface="Courier New" pitchFamily="49" charset="0"/>
+            </a:endParaRPr>
+          </a:p>
+          <a:p>
+            <a:pPr eaLnBrk="0" hangingPunct="0">
+              <a:tabLst>
+                <a:tab pos="341313" algn="l"/>
+                <a:tab pos="682625" algn="l"/>
+                <a:tab pos="1023938" algn="l"/>
+              </a:tabLst>
+            </a:pPr>
+            <a:r>
+              <a:rPr lang="en-US" sz="1600" b="1" dirty="0">
+                <a:latin typeface="Courier New" pitchFamily="49" charset="0"/>
+              </a:rPr>
+              <a:t>	</a:t>
+            </a:r>
+            <a:r>
+              <a:rPr lang="en-US" sz="1600" b="1" dirty="0" err="1">
+                <a:latin typeface="Courier New" pitchFamily="49" charset="0"/>
+              </a:rPr>
+              <a:t>int</a:t>
+            </a:r>
+            <a:r>
+              <a:rPr lang="en-US" sz="1600" b="1" dirty="0">
+                <a:latin typeface="Courier New" pitchFamily="49" charset="0"/>
+              </a:rPr>
+              <a:t> count;  </a:t>
+            </a:r>
+            <a:endParaRPr lang="en-US" sz="1600" b="1" dirty="0" smtClean="0">
+              <a:latin typeface="Courier New" pitchFamily="49" charset="0"/>
+            </a:endParaRPr>
+          </a:p>
+          <a:p>
+            <a:pPr eaLnBrk="0" hangingPunct="0">
+              <a:tabLst>
+                <a:tab pos="341313" algn="l"/>
+                <a:tab pos="682625" algn="l"/>
+                <a:tab pos="1023938" algn="l"/>
+              </a:tabLst>
+            </a:pPr>
+            <a:endParaRPr lang="en-US" sz="1600" b="1" dirty="0">
+              <a:latin typeface="Courier New" pitchFamily="49" charset="0"/>
+            </a:endParaRPr>
+          </a:p>
+          <a:p>
+            <a:pPr eaLnBrk="0" hangingPunct="0">
+              <a:tabLst>
+                <a:tab pos="341313" algn="l"/>
+                <a:tab pos="682625" algn="l"/>
+                <a:tab pos="1023938" algn="l"/>
+              </a:tabLst>
+            </a:pPr>
+            <a:r>
+              <a:rPr lang="en-US" sz="1600" b="1" dirty="0">
+                <a:latin typeface="Courier New" pitchFamily="49" charset="0"/>
+              </a:rPr>
+              <a:t>	</a:t>
+            </a:r>
+            <a:r>
+              <a:rPr lang="en-US" sz="1600" b="1" dirty="0" err="1">
+                <a:latin typeface="Courier New" pitchFamily="49" charset="0"/>
+              </a:rPr>
+              <a:t>printf</a:t>
+            </a:r>
+            <a:r>
+              <a:rPr lang="en-US" sz="1600" b="1" dirty="0">
+                <a:latin typeface="Courier New" pitchFamily="49" charset="0"/>
+              </a:rPr>
+              <a:t> ("This program was called with </a:t>
+            </a:r>
+            <a:r>
+              <a:rPr lang="en-US" sz="1600" b="1" dirty="0" smtClean="0">
+                <a:latin typeface="Courier New" pitchFamily="49" charset="0"/>
+              </a:rPr>
+              <a:t>\"%</a:t>
+            </a:r>
+            <a:r>
+              <a:rPr lang="en-US" sz="1600" b="1" dirty="0">
+                <a:latin typeface="Courier New" pitchFamily="49" charset="0"/>
+              </a:rPr>
+              <a:t>s</a:t>
+            </a:r>
+            <a:r>
+              <a:rPr lang="en-US" sz="1600" b="1" dirty="0" smtClean="0">
+                <a:latin typeface="Courier New" pitchFamily="49" charset="0"/>
+              </a:rPr>
+              <a:t>\"\n", </a:t>
+            </a:r>
+            <a:r>
+              <a:rPr lang="en-US" sz="1600" b="1" dirty="0" err="1">
+                <a:solidFill>
+                  <a:srgbClr val="C00000"/>
+                </a:solidFill>
+                <a:latin typeface="Courier New" pitchFamily="49" charset="0"/>
+              </a:rPr>
+              <a:t>argv</a:t>
+            </a:r>
+            <a:r>
+              <a:rPr lang="en-US" sz="1600" b="1" dirty="0">
+                <a:solidFill>
+                  <a:srgbClr val="C00000"/>
+                </a:solidFill>
+                <a:latin typeface="Courier New" pitchFamily="49" charset="0"/>
+              </a:rPr>
+              <a:t>[0]</a:t>
+            </a:r>
+            <a:r>
+              <a:rPr lang="en-US" sz="1600" b="1" dirty="0">
+                <a:latin typeface="Courier New" pitchFamily="49" charset="0"/>
+              </a:rPr>
+              <a:t>);</a:t>
+            </a:r>
+          </a:p>
+          <a:p>
+            <a:pPr eaLnBrk="0" hangingPunct="0">
+              <a:tabLst>
+                <a:tab pos="341313" algn="l"/>
+                <a:tab pos="682625" algn="l"/>
+                <a:tab pos="1023938" algn="l"/>
+              </a:tabLst>
+            </a:pPr>
+            <a:r>
+              <a:rPr lang="en-US" sz="1600" b="1" dirty="0">
+                <a:latin typeface="Courier New" pitchFamily="49" charset="0"/>
+              </a:rPr>
+              <a:t>	if (</a:t>
+            </a:r>
+            <a:r>
+              <a:rPr lang="en-US" sz="1600" b="1" dirty="0" err="1">
+                <a:solidFill>
+                  <a:srgbClr val="C00000"/>
+                </a:solidFill>
+                <a:latin typeface="Courier New" pitchFamily="49" charset="0"/>
+              </a:rPr>
+              <a:t>argc</a:t>
+            </a:r>
+            <a:r>
+              <a:rPr lang="en-US" sz="1600" b="1" dirty="0">
+                <a:latin typeface="Courier New" pitchFamily="49" charset="0"/>
+              </a:rPr>
+              <a:t> &gt; 1)    </a:t>
+            </a:r>
+          </a:p>
+          <a:p>
+            <a:pPr eaLnBrk="0" hangingPunct="0">
+              <a:tabLst>
+                <a:tab pos="341313" algn="l"/>
+                <a:tab pos="682625" algn="l"/>
+                <a:tab pos="1023938" algn="l"/>
+              </a:tabLst>
+            </a:pPr>
+            <a:r>
+              <a:rPr lang="en-US" sz="1600" b="1" dirty="0">
+                <a:latin typeface="Courier New" pitchFamily="49" charset="0"/>
+              </a:rPr>
+              <a:t>		for (count = 1; count &lt; </a:t>
+            </a:r>
+            <a:r>
+              <a:rPr lang="en-US" sz="1600" b="1" dirty="0" err="1">
+                <a:solidFill>
+                  <a:srgbClr val="C00000"/>
+                </a:solidFill>
+                <a:latin typeface="Courier New" pitchFamily="49" charset="0"/>
+              </a:rPr>
+              <a:t>argc</a:t>
+            </a:r>
+            <a:r>
+              <a:rPr lang="en-US" sz="1600" b="1" dirty="0">
+                <a:latin typeface="Courier New" pitchFamily="49" charset="0"/>
+              </a:rPr>
+              <a:t>; count++)</a:t>
+            </a:r>
+          </a:p>
+          <a:p>
+            <a:pPr eaLnBrk="0" hangingPunct="0">
+              <a:tabLst>
+                <a:tab pos="341313" algn="l"/>
+                <a:tab pos="682625" algn="l"/>
+                <a:tab pos="1023938" algn="l"/>
+              </a:tabLst>
+            </a:pPr>
+            <a:r>
+              <a:rPr lang="en-US" sz="1600" b="1" dirty="0">
+                <a:latin typeface="Courier New" pitchFamily="49" charset="0"/>
+              </a:rPr>
+              <a:t>			</a:t>
+            </a:r>
+            <a:r>
+              <a:rPr lang="en-US" sz="1600" b="1" dirty="0" err="1">
+                <a:latin typeface="Courier New" pitchFamily="49" charset="0"/>
+              </a:rPr>
+              <a:t>printf</a:t>
+            </a:r>
+            <a:r>
+              <a:rPr lang="en-US" sz="1600" b="1" dirty="0">
+                <a:latin typeface="Courier New" pitchFamily="49" charset="0"/>
+              </a:rPr>
+              <a:t>("</a:t>
+            </a:r>
+            <a:r>
+              <a:rPr lang="en-US" sz="1600" b="1" dirty="0" err="1">
+                <a:latin typeface="Courier New" pitchFamily="49" charset="0"/>
+              </a:rPr>
+              <a:t>argv</a:t>
+            </a:r>
+            <a:r>
+              <a:rPr lang="en-US" sz="1600" b="1" dirty="0">
+                <a:latin typeface="Courier New" pitchFamily="49" charset="0"/>
+              </a:rPr>
+              <a:t>[%d] = %s\n", count, </a:t>
+            </a:r>
+            <a:r>
+              <a:rPr lang="en-US" sz="1600" b="1" dirty="0" err="1">
+                <a:solidFill>
+                  <a:srgbClr val="C00000"/>
+                </a:solidFill>
+                <a:latin typeface="Courier New" pitchFamily="49" charset="0"/>
+              </a:rPr>
+              <a:t>argv</a:t>
+            </a:r>
+            <a:r>
+              <a:rPr lang="en-US" sz="1600" b="1" dirty="0">
+                <a:solidFill>
+                  <a:srgbClr val="C00000"/>
+                </a:solidFill>
+                <a:latin typeface="Courier New" pitchFamily="49" charset="0"/>
+              </a:rPr>
+              <a:t>[count]</a:t>
+            </a:r>
+            <a:r>
+              <a:rPr lang="en-US" sz="1600" b="1" dirty="0">
+                <a:latin typeface="Courier New" pitchFamily="49" charset="0"/>
+              </a:rPr>
+              <a:t>);</a:t>
+            </a:r>
+          </a:p>
+          <a:p>
+            <a:pPr eaLnBrk="0" hangingPunct="0">
+              <a:tabLst>
+                <a:tab pos="341313" algn="l"/>
+                <a:tab pos="682625" algn="l"/>
+                <a:tab pos="1023938" algn="l"/>
+              </a:tabLst>
+            </a:pPr>
+            <a:r>
+              <a:rPr lang="en-US" sz="1600" b="1" dirty="0">
+                <a:latin typeface="Courier New" pitchFamily="49" charset="0"/>
+              </a:rPr>
+              <a:t>	else </a:t>
+            </a:r>
+          </a:p>
+          <a:p>
+            <a:pPr eaLnBrk="0" hangingPunct="0">
+              <a:tabLst>
+                <a:tab pos="341313" algn="l"/>
+                <a:tab pos="682625" algn="l"/>
+                <a:tab pos="1023938" algn="l"/>
+              </a:tabLst>
+            </a:pPr>
+            <a:r>
+              <a:rPr lang="en-US" sz="1600" b="1" dirty="0">
+                <a:latin typeface="Courier New" pitchFamily="49" charset="0"/>
+              </a:rPr>
+              <a:t>		</a:t>
+            </a:r>
+            <a:r>
+              <a:rPr lang="en-US" sz="1600" b="1" dirty="0" err="1">
+                <a:latin typeface="Courier New" pitchFamily="49" charset="0"/>
+              </a:rPr>
+              <a:t>printf</a:t>
+            </a:r>
+            <a:r>
+              <a:rPr lang="en-US" sz="1600" b="1" dirty="0">
+                <a:latin typeface="Courier New" pitchFamily="49" charset="0"/>
+              </a:rPr>
+              <a:t>("The command had no argument.\n");</a:t>
+            </a:r>
+          </a:p>
+          <a:p>
+            <a:pPr eaLnBrk="0" hangingPunct="0">
+              <a:tabLst>
+                <a:tab pos="341313" algn="l"/>
+                <a:tab pos="682625" algn="l"/>
+                <a:tab pos="1023938" algn="l"/>
+              </a:tabLst>
+            </a:pPr>
+            <a:r>
+              <a:rPr lang="en-US" sz="1600" b="1" dirty="0">
+                <a:latin typeface="Courier New" pitchFamily="49" charset="0"/>
+              </a:rPr>
+              <a:t>    </a:t>
+            </a:r>
+          </a:p>
+          <a:p>
+            <a:pPr eaLnBrk="0" hangingPunct="0">
+              <a:tabLst>
+                <a:tab pos="341313" algn="l"/>
+                <a:tab pos="682625" algn="l"/>
+                <a:tab pos="1023938" algn="l"/>
+              </a:tabLst>
+            </a:pPr>
+            <a:r>
+              <a:rPr lang="en-US" sz="1600" b="1" dirty="0">
+                <a:latin typeface="Courier New" pitchFamily="49" charset="0"/>
+              </a:rPr>
+              <a:t>	return 0;</a:t>
+            </a:r>
+          </a:p>
+          <a:p>
+            <a:pPr eaLnBrk="0" hangingPunct="0">
+              <a:tabLst>
+                <a:tab pos="341313" algn="l"/>
+                <a:tab pos="682625" algn="l"/>
+                <a:tab pos="1023938" algn="l"/>
+              </a:tabLst>
+            </a:pPr>
+            <a:r>
+              <a:rPr lang="en-US" sz="1600" b="1" dirty="0">
+                <a:latin typeface="Courier New" pitchFamily="49" charset="0"/>
+              </a:rPr>
+              <a:t>}</a:t>
+            </a:r>
+          </a:p>
+        </p:txBody>
+      </p:sp>
+      <p:sp>
+        <p:nvSpPr>
+          <p:cNvPr id="9" name="TextBox 8"/>
+          <p:cNvSpPr txBox="1"/>
+          <p:nvPr/>
+        </p:nvSpPr>
+        <p:spPr>
+          <a:xfrm>
+            <a:off x="2765425" y="4240213"/>
+            <a:ext cx="5873750" cy="1939925"/>
+          </a:xfrm>
+          <a:prstGeom prst="rect">
+            <a:avLst/>
+          </a:prstGeom>
+          <a:solidFill>
+            <a:srgbClr val="FFFFCC"/>
+          </a:solidFill>
+        </p:spPr>
+        <p:style>
+          <a:lnRef idx="2">
+            <a:schemeClr val="accent1"/>
+          </a:lnRef>
+          <a:fillRef idx="1">
+            <a:schemeClr val="lt1"/>
+          </a:fillRef>
+          <a:effectRef idx="0">
+            <a:schemeClr val="accent1"/>
+          </a:effectRef>
+          <a:fontRef idx="minor">
+            <a:schemeClr val="dk1"/>
+          </a:fontRef>
+        </p:style>
+        <p:txBody>
+          <a:bodyPr>
+            <a:spAutoFit/>
+          </a:bodyPr>
+          <a:lstStyle/>
+          <a:p>
+            <a:pPr>
+              <a:defRPr/>
+            </a:pPr>
+            <a:r>
+              <a:rPr lang="en-US" sz="2000" b="1" err="1">
+                <a:solidFill>
+                  <a:schemeClr val="tx1"/>
+                </a:solidFill>
+                <a:latin typeface="Courier New" pitchFamily="49" charset="0"/>
+                <a:cs typeface="Courier New" pitchFamily="49" charset="0"/>
+              </a:rPr>
+              <a:t>gcc</a:t>
+            </a:r>
+            <a:r>
+              <a:rPr lang="en-US" sz="2000" b="1">
+                <a:solidFill>
+                  <a:schemeClr val="tx1"/>
+                </a:solidFill>
+                <a:latin typeface="Courier New" pitchFamily="49" charset="0"/>
+                <a:cs typeface="Courier New" pitchFamily="49" charset="0"/>
+              </a:rPr>
+              <a:t> </a:t>
+            </a:r>
+            <a:r>
+              <a:rPr lang="en-US" sz="2000" b="1" smtClean="0">
+                <a:solidFill>
+                  <a:schemeClr val="tx1"/>
+                </a:solidFill>
+                <a:latin typeface="Courier New" pitchFamily="49" charset="0"/>
+                <a:cs typeface="Courier New" pitchFamily="49" charset="0"/>
+              </a:rPr>
+              <a:t>–Wall Unit16_CommandLineArgs.c</a:t>
+            </a:r>
+            <a:endParaRPr lang="en-US" sz="2000" b="1" dirty="0">
+              <a:solidFill>
+                <a:schemeClr val="tx1"/>
+              </a:solidFill>
+              <a:latin typeface="Courier New" pitchFamily="49" charset="0"/>
+              <a:cs typeface="Courier New" pitchFamily="49" charset="0"/>
+            </a:endParaRPr>
+          </a:p>
+          <a:p>
+            <a:pPr>
+              <a:defRPr/>
+            </a:pPr>
+            <a:r>
+              <a:rPr lang="en-US" sz="2000" b="1" dirty="0" err="1">
+                <a:solidFill>
+                  <a:schemeClr val="tx1"/>
+                </a:solidFill>
+                <a:latin typeface="Courier New" pitchFamily="49" charset="0"/>
+                <a:cs typeface="Courier New" pitchFamily="49" charset="0"/>
+              </a:rPr>
+              <a:t>a.out</a:t>
+            </a:r>
+            <a:r>
+              <a:rPr lang="en-US" sz="2000" b="1" dirty="0">
+                <a:solidFill>
+                  <a:schemeClr val="tx1"/>
+                </a:solidFill>
+                <a:latin typeface="Courier New" pitchFamily="49" charset="0"/>
+                <a:cs typeface="Courier New" pitchFamily="49" charset="0"/>
+              </a:rPr>
+              <a:t> water "ice cream" 34+7</a:t>
+            </a:r>
+          </a:p>
+          <a:p>
+            <a:pPr>
+              <a:defRPr/>
+            </a:pPr>
+            <a:r>
+              <a:rPr lang="en-US" sz="2000" b="1" dirty="0">
+                <a:solidFill>
+                  <a:srgbClr val="0000FF"/>
+                </a:solidFill>
+                <a:latin typeface="Courier New" pitchFamily="49" charset="0"/>
+                <a:cs typeface="Courier New" pitchFamily="49" charset="0"/>
+              </a:rPr>
+              <a:t>This program was called with "</a:t>
+            </a:r>
+            <a:r>
+              <a:rPr lang="en-US" sz="2000" b="1" dirty="0" err="1">
+                <a:solidFill>
+                  <a:srgbClr val="0000FF"/>
+                </a:solidFill>
+                <a:latin typeface="Courier New" pitchFamily="49" charset="0"/>
+                <a:cs typeface="Courier New" pitchFamily="49" charset="0"/>
+              </a:rPr>
+              <a:t>a.out</a:t>
+            </a:r>
+            <a:r>
+              <a:rPr lang="en-US" sz="2000" b="1" dirty="0">
+                <a:solidFill>
+                  <a:srgbClr val="0000FF"/>
+                </a:solidFill>
+                <a:latin typeface="Courier New" pitchFamily="49" charset="0"/>
+                <a:cs typeface="Courier New" pitchFamily="49" charset="0"/>
+              </a:rPr>
+              <a:t>"</a:t>
+            </a:r>
+          </a:p>
+          <a:p>
+            <a:pPr>
+              <a:defRPr/>
+            </a:pPr>
+            <a:r>
+              <a:rPr lang="en-US" sz="2000" b="1" dirty="0" err="1">
+                <a:solidFill>
+                  <a:srgbClr val="0000FF"/>
+                </a:solidFill>
+                <a:latin typeface="Courier New" pitchFamily="49" charset="0"/>
+                <a:cs typeface="Courier New" pitchFamily="49" charset="0"/>
+              </a:rPr>
+              <a:t>argv</a:t>
+            </a:r>
+            <a:r>
+              <a:rPr lang="en-US" sz="2000" b="1" dirty="0">
+                <a:solidFill>
+                  <a:srgbClr val="0000FF"/>
+                </a:solidFill>
+                <a:latin typeface="Courier New" pitchFamily="49" charset="0"/>
+                <a:cs typeface="Courier New" pitchFamily="49" charset="0"/>
+              </a:rPr>
+              <a:t>[1] = water</a:t>
+            </a:r>
+          </a:p>
+          <a:p>
+            <a:pPr>
+              <a:defRPr/>
+            </a:pPr>
+            <a:r>
+              <a:rPr lang="en-US" sz="2000" b="1" dirty="0" err="1">
+                <a:solidFill>
+                  <a:srgbClr val="0000FF"/>
+                </a:solidFill>
+                <a:latin typeface="Courier New" pitchFamily="49" charset="0"/>
+                <a:cs typeface="Courier New" pitchFamily="49" charset="0"/>
+              </a:rPr>
+              <a:t>argv</a:t>
+            </a:r>
+            <a:r>
+              <a:rPr lang="en-US" sz="2000" b="1" dirty="0">
+                <a:solidFill>
+                  <a:srgbClr val="0000FF"/>
+                </a:solidFill>
+                <a:latin typeface="Courier New" pitchFamily="49" charset="0"/>
+                <a:cs typeface="Courier New" pitchFamily="49" charset="0"/>
+              </a:rPr>
+              <a:t>[2] = ice cream</a:t>
+            </a:r>
+          </a:p>
+          <a:p>
+            <a:pPr>
+              <a:defRPr/>
+            </a:pPr>
+            <a:r>
+              <a:rPr lang="en-US" sz="2000" b="1" dirty="0" err="1">
+                <a:solidFill>
+                  <a:srgbClr val="0000FF"/>
+                </a:solidFill>
+                <a:latin typeface="Courier New" pitchFamily="49" charset="0"/>
+                <a:cs typeface="Courier New" pitchFamily="49" charset="0"/>
+              </a:rPr>
+              <a:t>argv</a:t>
+            </a:r>
+            <a:r>
+              <a:rPr lang="en-US" sz="2000" b="1" dirty="0">
+                <a:solidFill>
+                  <a:srgbClr val="0000FF"/>
+                </a:solidFill>
+                <a:latin typeface="Courier New" pitchFamily="49" charset="0"/>
+                <a:cs typeface="Courier New" pitchFamily="49" charset="0"/>
+              </a:rPr>
+              <a:t>[3] = 34+7</a:t>
+            </a:r>
+          </a:p>
+        </p:txBody>
+      </p:sp>
+      <p:sp>
+        <p:nvSpPr>
+          <p:cNvPr id="11" name="TextBox 10"/>
+          <p:cNvSpPr txBox="1"/>
+          <p:nvPr/>
+        </p:nvSpPr>
+        <p:spPr>
+          <a:xfrm>
+            <a:off x="5702300" y="1203325"/>
+            <a:ext cx="3235325" cy="369332"/>
+          </a:xfrm>
+          <a:prstGeom prst="rect">
+            <a:avLst/>
+          </a:prstGeom>
+          <a:solidFill>
+            <a:srgbClr val="FFFFCC"/>
+          </a:solidFill>
+          <a:ln w="12700">
+            <a:solidFill>
+              <a:schemeClr val="tx1"/>
+            </a:solidFill>
+          </a:ln>
+        </p:spPr>
+        <p:style>
+          <a:lnRef idx="2">
+            <a:schemeClr val="accent5"/>
+          </a:lnRef>
+          <a:fillRef idx="1">
+            <a:schemeClr val="lt1"/>
+          </a:fillRef>
+          <a:effectRef idx="0">
+            <a:schemeClr val="accent5"/>
+          </a:effectRef>
+          <a:fontRef idx="minor">
+            <a:schemeClr val="dk1"/>
+          </a:fontRef>
+        </p:style>
+        <p:txBody>
+          <a:bodyPr wrap="square">
+            <a:spAutoFit/>
+          </a:bodyPr>
+          <a:lstStyle/>
+          <a:p>
+            <a:pPr>
+              <a:defRPr/>
+            </a:pPr>
+            <a:r>
+              <a:rPr lang="en-US" smtClean="0">
+                <a:solidFill>
+                  <a:srgbClr val="000000"/>
+                </a:solidFill>
+                <a:cs typeface="Arial" charset="0"/>
+              </a:rPr>
+              <a:t>Unit16_CommandLineArgs.c</a:t>
+            </a:r>
+            <a:endParaRPr lang="en-SG" dirty="0">
+              <a:solidFill>
+                <a:srgbClr val="000000"/>
+              </a:solidFill>
+              <a:cs typeface="Arial" charset="0"/>
+            </a:endParaRPr>
+          </a:p>
+        </p:txBody>
+      </p:sp>
+      <p:sp>
+        <p:nvSpPr>
+          <p:cNvPr id="2" name="Date Placeholder 1"/>
+          <p:cNvSpPr>
+            <a:spLocks noGrp="1"/>
+          </p:cNvSpPr>
+          <p:nvPr>
+            <p:ph type="dt" sz="half" idx="10"/>
+          </p:nvPr>
+        </p:nvSpPr>
+        <p:spPr/>
+        <p:txBody>
+          <a:bodyPr/>
+          <a:lstStyle/>
+          <a:p>
+            <a:pPr>
+              <a:defRPr/>
+            </a:pPr>
+            <a:r>
+              <a:rPr lang="en-US" smtClean="0"/>
+              <a:t>© IT - TDT</a:t>
+            </a:r>
+            <a:endParaRPr lang="en-US" dirty="0" smtClean="0"/>
+          </a:p>
+        </p:txBody>
+      </p:sp>
+    </p:spTree>
+    <p:extLst>
+      <p:ext uri="{BB962C8B-B14F-4D97-AF65-F5344CB8AC3E}">
+        <p14:creationId xmlns:p14="http://schemas.microsoft.com/office/powerpoint/2010/main" val="4033589572"/>
+      </p:ext>
+    </p:extLst>
+  </p:cSld>
+  <p:clrMapOvr>
+    <a:masterClrMapping/>
+  </p:clrMapOvr>
+  <p:transition>
+    <p:fade/>
+  </p:transition>
+  <p:timing>
+    <p:tnLst>
+      <p:par>
+        <p:cTn id="1" dur="indefinite" restart="never" nodeType="tmRoot">
+          <p:childTnLst>
+            <p:seq concurrent="1" nextAc="seek">
+              <p:cTn id="2" dur="indefinite" nodeType="mainSeq">
+                <p:childTnLst>
+                  <p:par>
+                    <p:cTn id="3" fill="hold">
+                      <p:stCondLst>
+                        <p:cond delay="indefinite"/>
+                      </p:stCondLst>
+                      <p:childTnLst>
+                        <p:par>
+                          <p:cTn id="4" fill="hold">
+                            <p:stCondLst>
+                              <p:cond delay="0"/>
+                            </p:stCondLst>
+                            <p:childTnLst>
+                              <p:par>
+                                <p:cTn id="5" presetID="9" presetClass="entr" presetSubtype="0" fill="hold" grpId="0" nodeType="clickEffect">
+                                  <p:stCondLst>
+                                    <p:cond delay="0"/>
+                                  </p:stCondLst>
+                                  <p:childTnLst>
+                                    <p:set>
+                                      <p:cBhvr>
+                                        <p:cTn id="6" dur="1" fill="hold">
+                                          <p:stCondLst>
+                                            <p:cond delay="0"/>
+                                          </p:stCondLst>
+                                        </p:cTn>
+                                        <p:tgtEl>
+                                          <p:spTgt spid="9"/>
+                                        </p:tgtEl>
+                                        <p:attrNameLst>
+                                          <p:attrName>style.visibility</p:attrName>
+                                        </p:attrNameLst>
+                                      </p:cBhvr>
+                                      <p:to>
+                                        <p:strVal val="visible"/>
+                                      </p:to>
+                                    </p:set>
+                                    <p:animEffect transition="in" filter="dissolve">
+                                      <p:cBhvr>
+                                        <p:cTn id="7" dur="500"/>
+                                        <p:tgtEl>
+                                          <p:spTgt spid="9"/>
+                                        </p:tgtEl>
+                                      </p:cBhvr>
+                                    </p:animEffect>
+                                  </p:childTnLst>
+                                </p:cTn>
+                              </p:par>
+                            </p:childTnLst>
+                          </p:cTn>
+                        </p:par>
+                      </p:childTnLst>
+                    </p:cTn>
+                  </p:par>
+                </p:childTnLst>
+              </p:cTn>
+              <p:prevCondLst>
+                <p:cond evt="onPrev" delay="0">
+                  <p:tgtEl>
+                    <p:sldTgt/>
+                  </p:tgtEl>
+                </p:cond>
+              </p:prevCondLst>
+              <p:nextCondLst>
+                <p:cond evt="onNext" delay="0">
+                  <p:tgtEl>
+                    <p:sldTgt/>
+                  </p:tgtEl>
+                </p:cond>
+              </p:nextCondLst>
+            </p:seq>
+          </p:childTnLst>
+        </p:cTn>
+      </p:par>
+    </p:tnLst>
+    <p:bldLst>
+      <p:bldP spid="9" grpId="0" animBg="1"/>
+    </p:bldLst>
   </p:timing>
 </p:sld>
 </file>
